--- a/LaunchEvent/2021FutureInteractionSpacialEvent.pptx
+++ b/LaunchEvent/2021FutureInteractionSpacialEvent.pptx
@@ -4,9 +4,20 @@
   <p:sldMasterIdLst>
     <p:sldMasterId id="2147483648" r:id="rId1"/>
   </p:sldMasterIdLst>
+  <p:notesMasterIdLst>
+    <p:notesMasterId r:id="rId12"/>
+  </p:notesMasterIdLst>
   <p:sldIdLst>
     <p:sldId id="256" r:id="rId2"/>
     <p:sldId id="257" r:id="rId3"/>
+    <p:sldId id="258" r:id="rId4"/>
+    <p:sldId id="259" r:id="rId5"/>
+    <p:sldId id="260" r:id="rId6"/>
+    <p:sldId id="261" r:id="rId7"/>
+    <p:sldId id="262" r:id="rId8"/>
+    <p:sldId id="284" r:id="rId9"/>
+    <p:sldId id="285" r:id="rId10"/>
+    <p:sldId id="286" r:id="rId11"/>
   </p:sldIdLst>
   <p:sldSz cx="12192000" cy="6858000"/>
   <p:notesSz cx="6858000" cy="9144000"/>
@@ -113,6 +124,471 @@
 </p:presentation>
 </file>
 
+<file path=ppt/notesMasters/notesMaster1.xml><?xml version="1.0" encoding="utf-8"?>
+<p:notesMaster xmlns:a="http://schemas.openxmlformats.org/drawingml/2006/main" xmlns:r="http://schemas.openxmlformats.org/officeDocument/2006/relationships" xmlns:p="http://schemas.openxmlformats.org/presentationml/2006/main">
+  <p:cSld>
+    <p:bg>
+      <p:bgRef idx="1001">
+        <a:schemeClr val="bg1"/>
+      </p:bgRef>
+    </p:bg>
+    <p:spTree>
+      <p:nvGrpSpPr>
+        <p:cNvPr id="1" name=""/>
+        <p:cNvGrpSpPr/>
+        <p:nvPr/>
+      </p:nvGrpSpPr>
+      <p:grpSpPr>
+        <a:xfrm>
+          <a:off x="0" y="0"/>
+          <a:ext cx="0" cy="0"/>
+          <a:chOff x="0" y="0"/>
+          <a:chExt cx="0" cy="0"/>
+        </a:xfrm>
+      </p:grpSpPr>
+      <p:sp>
+        <p:nvSpPr>
+          <p:cNvPr id="2" name="页眉占位符 1"/>
+          <p:cNvSpPr>
+            <a:spLocks noGrp="1"/>
+          </p:cNvSpPr>
+          <p:nvPr>
+            <p:ph type="hdr" sz="quarter"/>
+          </p:nvPr>
+        </p:nvSpPr>
+        <p:spPr>
+          <a:xfrm>
+            <a:off x="0" y="0"/>
+            <a:ext cx="2971800" cy="458788"/>
+          </a:xfrm>
+          <a:prstGeom prst="rect">
+            <a:avLst/>
+          </a:prstGeom>
+        </p:spPr>
+        <p:txBody>
+          <a:bodyPr vert="horz" lIns="91440" tIns="45720" rIns="91440" bIns="45720" rtlCol="0"/>
+          <a:lstStyle>
+            <a:lvl1pPr algn="l">
+              <a:defRPr sz="1200"/>
+            </a:lvl1pPr>
+          </a:lstStyle>
+          <a:p>
+            <a:endParaRPr lang="zh-CN" altLang="en-US"/>
+          </a:p>
+        </p:txBody>
+      </p:sp>
+      <p:sp>
+        <p:nvSpPr>
+          <p:cNvPr id="3" name="日期占位符 2"/>
+          <p:cNvSpPr>
+            <a:spLocks noGrp="1"/>
+          </p:cNvSpPr>
+          <p:nvPr>
+            <p:ph type="dt" idx="1"/>
+          </p:nvPr>
+        </p:nvSpPr>
+        <p:spPr>
+          <a:xfrm>
+            <a:off x="3884613" y="0"/>
+            <a:ext cx="2971800" cy="458788"/>
+          </a:xfrm>
+          <a:prstGeom prst="rect">
+            <a:avLst/>
+          </a:prstGeom>
+        </p:spPr>
+        <p:txBody>
+          <a:bodyPr vert="horz" lIns="91440" tIns="45720" rIns="91440" bIns="45720" rtlCol="0"/>
+          <a:lstStyle>
+            <a:lvl1pPr algn="r">
+              <a:defRPr sz="1200"/>
+            </a:lvl1pPr>
+          </a:lstStyle>
+          <a:p>
+            <a:fld id="{76BC54D8-1889-441E-A5C5-0F82ADB443D2}" type="datetimeFigureOut">
+              <a:rPr lang="zh-CN" altLang="en-US" smtClean="0"/>
+              <a:t>2021/3/7</a:t>
+            </a:fld>
+            <a:endParaRPr lang="zh-CN" altLang="en-US"/>
+          </a:p>
+        </p:txBody>
+      </p:sp>
+      <p:sp>
+        <p:nvSpPr>
+          <p:cNvPr id="4" name="幻灯片图像占位符 3"/>
+          <p:cNvSpPr>
+            <a:spLocks noGrp="1" noRot="1" noChangeAspect="1"/>
+          </p:cNvSpPr>
+          <p:nvPr>
+            <p:ph type="sldImg" idx="2"/>
+          </p:nvPr>
+        </p:nvSpPr>
+        <p:spPr>
+          <a:xfrm>
+            <a:off x="685800" y="1143000"/>
+            <a:ext cx="5486400" cy="3086100"/>
+          </a:xfrm>
+          <a:prstGeom prst="rect">
+            <a:avLst/>
+          </a:prstGeom>
+          <a:noFill/>
+          <a:ln w="12700">
+            <a:solidFill>
+              <a:prstClr val="black"/>
+            </a:solidFill>
+          </a:ln>
+        </p:spPr>
+        <p:txBody>
+          <a:bodyPr vert="horz" lIns="91440" tIns="45720" rIns="91440" bIns="45720" rtlCol="0" anchor="ctr"/>
+          <a:lstStyle/>
+          <a:p>
+            <a:endParaRPr lang="zh-CN" altLang="en-US"/>
+          </a:p>
+        </p:txBody>
+      </p:sp>
+      <p:sp>
+        <p:nvSpPr>
+          <p:cNvPr id="5" name="备注占位符 4"/>
+          <p:cNvSpPr>
+            <a:spLocks noGrp="1"/>
+          </p:cNvSpPr>
+          <p:nvPr>
+            <p:ph type="body" sz="quarter" idx="3"/>
+          </p:nvPr>
+        </p:nvSpPr>
+        <p:spPr>
+          <a:xfrm>
+            <a:off x="685800" y="4400550"/>
+            <a:ext cx="5486400" cy="3600450"/>
+          </a:xfrm>
+          <a:prstGeom prst="rect">
+            <a:avLst/>
+          </a:prstGeom>
+        </p:spPr>
+        <p:txBody>
+          <a:bodyPr vert="horz" lIns="91440" tIns="45720" rIns="91440" bIns="45720" rtlCol="0"/>
+          <a:lstStyle/>
+          <a:p>
+            <a:pPr lvl="0"/>
+            <a:r>
+              <a:rPr lang="zh-CN" altLang="en-US"/>
+              <a:t>编辑母版文本样式</a:t>
+            </a:r>
+          </a:p>
+          <a:p>
+            <a:pPr lvl="1"/>
+            <a:r>
+              <a:rPr lang="zh-CN" altLang="en-US"/>
+              <a:t>第二级</a:t>
+            </a:r>
+          </a:p>
+          <a:p>
+            <a:pPr lvl="2"/>
+            <a:r>
+              <a:rPr lang="zh-CN" altLang="en-US"/>
+              <a:t>第三级</a:t>
+            </a:r>
+          </a:p>
+          <a:p>
+            <a:pPr lvl="3"/>
+            <a:r>
+              <a:rPr lang="zh-CN" altLang="en-US"/>
+              <a:t>第四级</a:t>
+            </a:r>
+          </a:p>
+          <a:p>
+            <a:pPr lvl="4"/>
+            <a:r>
+              <a:rPr lang="zh-CN" altLang="en-US"/>
+              <a:t>第五级</a:t>
+            </a:r>
+          </a:p>
+        </p:txBody>
+      </p:sp>
+      <p:sp>
+        <p:nvSpPr>
+          <p:cNvPr id="6" name="页脚占位符 5"/>
+          <p:cNvSpPr>
+            <a:spLocks noGrp="1"/>
+          </p:cNvSpPr>
+          <p:nvPr>
+            <p:ph type="ftr" sz="quarter" idx="4"/>
+          </p:nvPr>
+        </p:nvSpPr>
+        <p:spPr>
+          <a:xfrm>
+            <a:off x="0" y="8685213"/>
+            <a:ext cx="2971800" cy="458787"/>
+          </a:xfrm>
+          <a:prstGeom prst="rect">
+            <a:avLst/>
+          </a:prstGeom>
+        </p:spPr>
+        <p:txBody>
+          <a:bodyPr vert="horz" lIns="91440" tIns="45720" rIns="91440" bIns="45720" rtlCol="0" anchor="b"/>
+          <a:lstStyle>
+            <a:lvl1pPr algn="l">
+              <a:defRPr sz="1200"/>
+            </a:lvl1pPr>
+          </a:lstStyle>
+          <a:p>
+            <a:endParaRPr lang="zh-CN" altLang="en-US"/>
+          </a:p>
+        </p:txBody>
+      </p:sp>
+      <p:sp>
+        <p:nvSpPr>
+          <p:cNvPr id="7" name="灯片编号占位符 6"/>
+          <p:cNvSpPr>
+            <a:spLocks noGrp="1"/>
+          </p:cNvSpPr>
+          <p:nvPr>
+            <p:ph type="sldNum" sz="quarter" idx="5"/>
+          </p:nvPr>
+        </p:nvSpPr>
+        <p:spPr>
+          <a:xfrm>
+            <a:off x="3884613" y="8685213"/>
+            <a:ext cx="2971800" cy="458787"/>
+          </a:xfrm>
+          <a:prstGeom prst="rect">
+            <a:avLst/>
+          </a:prstGeom>
+        </p:spPr>
+        <p:txBody>
+          <a:bodyPr vert="horz" lIns="91440" tIns="45720" rIns="91440" bIns="45720" rtlCol="0" anchor="b"/>
+          <a:lstStyle>
+            <a:lvl1pPr algn="r">
+              <a:defRPr sz="1200"/>
+            </a:lvl1pPr>
+          </a:lstStyle>
+          <a:p>
+            <a:fld id="{FFB3C1BD-59FF-41AC-B7FA-7C68CBF7D6C4}" type="slidenum">
+              <a:rPr lang="zh-CN" altLang="en-US" smtClean="0"/>
+              <a:t>‹#›</a:t>
+            </a:fld>
+            <a:endParaRPr lang="zh-CN" altLang="en-US"/>
+          </a:p>
+        </p:txBody>
+      </p:sp>
+    </p:spTree>
+    <p:extLst>
+      <p:ext uri="{BB962C8B-B14F-4D97-AF65-F5344CB8AC3E}">
+        <p14:creationId xmlns:p14="http://schemas.microsoft.com/office/powerpoint/2010/main" val="1139893944"/>
+      </p:ext>
+    </p:extLst>
+  </p:cSld>
+  <p:clrMap bg1="lt1" tx1="dk1" bg2="lt2" tx2="dk2" accent1="accent1" accent2="accent2" accent3="accent3" accent4="accent4" accent5="accent5" accent6="accent6" hlink="hlink" folHlink="folHlink"/>
+  <p:notesStyle>
+    <a:lvl1pPr marL="0" algn="l" defTabSz="914400" rtl="0" eaLnBrk="1" latinLnBrk="0" hangingPunct="1">
+      <a:defRPr sz="1200" kern="1200">
+        <a:solidFill>
+          <a:schemeClr val="tx1"/>
+        </a:solidFill>
+        <a:latin typeface="+mn-lt"/>
+        <a:ea typeface="+mn-ea"/>
+        <a:cs typeface="+mn-cs"/>
+      </a:defRPr>
+    </a:lvl1pPr>
+    <a:lvl2pPr marL="457200" algn="l" defTabSz="914400" rtl="0" eaLnBrk="1" latinLnBrk="0" hangingPunct="1">
+      <a:defRPr sz="1200" kern="1200">
+        <a:solidFill>
+          <a:schemeClr val="tx1"/>
+        </a:solidFill>
+        <a:latin typeface="+mn-lt"/>
+        <a:ea typeface="+mn-ea"/>
+        <a:cs typeface="+mn-cs"/>
+      </a:defRPr>
+    </a:lvl2pPr>
+    <a:lvl3pPr marL="914400" algn="l" defTabSz="914400" rtl="0" eaLnBrk="1" latinLnBrk="0" hangingPunct="1">
+      <a:defRPr sz="1200" kern="1200">
+        <a:solidFill>
+          <a:schemeClr val="tx1"/>
+        </a:solidFill>
+        <a:latin typeface="+mn-lt"/>
+        <a:ea typeface="+mn-ea"/>
+        <a:cs typeface="+mn-cs"/>
+      </a:defRPr>
+    </a:lvl3pPr>
+    <a:lvl4pPr marL="1371600" algn="l" defTabSz="914400" rtl="0" eaLnBrk="1" latinLnBrk="0" hangingPunct="1">
+      <a:defRPr sz="1200" kern="1200">
+        <a:solidFill>
+          <a:schemeClr val="tx1"/>
+        </a:solidFill>
+        <a:latin typeface="+mn-lt"/>
+        <a:ea typeface="+mn-ea"/>
+        <a:cs typeface="+mn-cs"/>
+      </a:defRPr>
+    </a:lvl4pPr>
+    <a:lvl5pPr marL="1828800" algn="l" defTabSz="914400" rtl="0" eaLnBrk="1" latinLnBrk="0" hangingPunct="1">
+      <a:defRPr sz="1200" kern="1200">
+        <a:solidFill>
+          <a:schemeClr val="tx1"/>
+        </a:solidFill>
+        <a:latin typeface="+mn-lt"/>
+        <a:ea typeface="+mn-ea"/>
+        <a:cs typeface="+mn-cs"/>
+      </a:defRPr>
+    </a:lvl5pPr>
+    <a:lvl6pPr marL="2286000" algn="l" defTabSz="914400" rtl="0" eaLnBrk="1" latinLnBrk="0" hangingPunct="1">
+      <a:defRPr sz="1200" kern="1200">
+        <a:solidFill>
+          <a:schemeClr val="tx1"/>
+        </a:solidFill>
+        <a:latin typeface="+mn-lt"/>
+        <a:ea typeface="+mn-ea"/>
+        <a:cs typeface="+mn-cs"/>
+      </a:defRPr>
+    </a:lvl6pPr>
+    <a:lvl7pPr marL="2743200" algn="l" defTabSz="914400" rtl="0" eaLnBrk="1" latinLnBrk="0" hangingPunct="1">
+      <a:defRPr sz="1200" kern="1200">
+        <a:solidFill>
+          <a:schemeClr val="tx1"/>
+        </a:solidFill>
+        <a:latin typeface="+mn-lt"/>
+        <a:ea typeface="+mn-ea"/>
+        <a:cs typeface="+mn-cs"/>
+      </a:defRPr>
+    </a:lvl7pPr>
+    <a:lvl8pPr marL="3200400" algn="l" defTabSz="914400" rtl="0" eaLnBrk="1" latinLnBrk="0" hangingPunct="1">
+      <a:defRPr sz="1200" kern="1200">
+        <a:solidFill>
+          <a:schemeClr val="tx1"/>
+        </a:solidFill>
+        <a:latin typeface="+mn-lt"/>
+        <a:ea typeface="+mn-ea"/>
+        <a:cs typeface="+mn-cs"/>
+      </a:defRPr>
+    </a:lvl8pPr>
+    <a:lvl9pPr marL="3657600" algn="l" defTabSz="914400" rtl="0" eaLnBrk="1" latinLnBrk="0" hangingPunct="1">
+      <a:defRPr sz="1200" kern="1200">
+        <a:solidFill>
+          <a:schemeClr val="tx1"/>
+        </a:solidFill>
+        <a:latin typeface="+mn-lt"/>
+        <a:ea typeface="+mn-ea"/>
+        <a:cs typeface="+mn-cs"/>
+      </a:defRPr>
+    </a:lvl9pPr>
+  </p:notesStyle>
+</p:notesMaster>
+</file>
+
+<file path=ppt/notesSlides/notesSlide1.xml><?xml version="1.0" encoding="utf-8"?>
+<p:notes xmlns:a="http://schemas.openxmlformats.org/drawingml/2006/main" xmlns:r="http://schemas.openxmlformats.org/officeDocument/2006/relationships" xmlns:p="http://schemas.openxmlformats.org/presentationml/2006/main">
+  <p:cSld>
+    <p:spTree>
+      <p:nvGrpSpPr>
+        <p:cNvPr id="1" name=""/>
+        <p:cNvGrpSpPr/>
+        <p:nvPr/>
+      </p:nvGrpSpPr>
+      <p:grpSpPr>
+        <a:xfrm>
+          <a:off x="0" y="0"/>
+          <a:ext cx="0" cy="0"/>
+          <a:chOff x="0" y="0"/>
+          <a:chExt cx="0" cy="0"/>
+        </a:xfrm>
+      </p:grpSpPr>
+      <p:sp>
+        <p:nvSpPr>
+          <p:cNvPr id="2" name="幻灯片图像占位符 1"/>
+          <p:cNvSpPr>
+            <a:spLocks noGrp="1" noRot="1" noChangeAspect="1"/>
+          </p:cNvSpPr>
+          <p:nvPr>
+            <p:ph type="sldImg"/>
+          </p:nvPr>
+        </p:nvSpPr>
+        <p:spPr/>
+      </p:sp>
+      <p:sp>
+        <p:nvSpPr>
+          <p:cNvPr id="3" name="备注占位符 2"/>
+          <p:cNvSpPr>
+            <a:spLocks noGrp="1"/>
+          </p:cNvSpPr>
+          <p:nvPr>
+            <p:ph type="body" idx="1"/>
+          </p:nvPr>
+        </p:nvSpPr>
+        <p:spPr/>
+        <p:txBody>
+          <a:bodyPr/>
+          <a:lstStyle/>
+          <a:p>
+            <a:pPr marL="0" marR="0" lvl="0" indent="0" algn="l" defTabSz="914400" rtl="0" eaLnBrk="1" fontAlgn="auto" latinLnBrk="0" hangingPunct="1">
+              <a:lnSpc>
+                <a:spcPct val="100000"/>
+              </a:lnSpc>
+              <a:spcBef>
+                <a:spcPts val="0"/>
+              </a:spcBef>
+              <a:spcAft>
+                <a:spcPts val="0"/>
+              </a:spcAft>
+              <a:buClrTx/>
+              <a:buSzTx/>
+              <a:buFontTx/>
+              <a:buNone/>
+              <a:tabLst/>
+              <a:defRPr/>
+            </a:pPr>
+            <a:r>
+              <a:rPr lang="zh-CN" altLang="en-US" dirty="0"/>
+              <a:t>什么叫良心企业，这就叫良心企业</a:t>
+            </a:r>
+            <a:r>
+              <a:rPr lang="en-US" altLang="zh-CN" dirty="0"/>
+              <a:t>——</a:t>
+            </a:r>
+            <a:r>
+              <a:rPr lang="zh-CN" altLang="en-US" dirty="0"/>
+              <a:t>清美交互</a:t>
+            </a:r>
+            <a:endParaRPr lang="en-US" altLang="zh-CN" dirty="0"/>
+          </a:p>
+          <a:p>
+            <a:endParaRPr lang="zh-CN" altLang="en-US" dirty="0"/>
+          </a:p>
+        </p:txBody>
+      </p:sp>
+      <p:sp>
+        <p:nvSpPr>
+          <p:cNvPr id="4" name="灯片编号占位符 3"/>
+          <p:cNvSpPr>
+            <a:spLocks noGrp="1"/>
+          </p:cNvSpPr>
+          <p:nvPr>
+            <p:ph type="sldNum" sz="quarter" idx="5"/>
+          </p:nvPr>
+        </p:nvSpPr>
+        <p:spPr/>
+        <p:txBody>
+          <a:bodyPr/>
+          <a:lstStyle/>
+          <a:p>
+            <a:fld id="{493AFD03-A274-4E36-9040-D9554D066177}" type="slidenum">
+              <a:rPr lang="zh-CN" altLang="en-US" smtClean="0"/>
+              <a:t>9</a:t>
+            </a:fld>
+            <a:endParaRPr lang="zh-CN" altLang="en-US"/>
+          </a:p>
+        </p:txBody>
+      </p:sp>
+    </p:spTree>
+    <p:extLst>
+      <p:ext uri="{BB962C8B-B14F-4D97-AF65-F5344CB8AC3E}">
+        <p14:creationId xmlns:p14="http://schemas.microsoft.com/office/powerpoint/2010/main" val="1774131070"/>
+      </p:ext>
+    </p:extLst>
+  </p:cSld>
+  <p:clrMapOvr>
+    <a:masterClrMapping/>
+  </p:clrMapOvr>
+</p:notes>
+</file>
+
 <file path=ppt/slideLayouts/slideLayout1.xml><?xml version="1.0" encoding="utf-8"?>
 <p:sldLayout xmlns:a="http://schemas.openxmlformats.org/drawingml/2006/main" xmlns:r="http://schemas.openxmlformats.org/officeDocument/2006/relationships" xmlns:p="http://schemas.openxmlformats.org/presentationml/2006/main" type="title" preserve="1">
   <p:cSld name="标题幻灯片">
@@ -260,7 +736,7 @@
           <a:p>
             <a:fld id="{3694DE29-63D9-4436-BF1C-A85317439927}" type="datetimeFigureOut">
               <a:rPr lang="zh-CN" altLang="en-US" smtClean="0"/>
-              <a:t>2021-03-07</a:t>
+              <a:t>2021/3/7</a:t>
             </a:fld>
             <a:endParaRPr lang="zh-CN" altLang="en-US"/>
           </a:p>
@@ -458,7 +934,7 @@
           <a:p>
             <a:fld id="{3694DE29-63D9-4436-BF1C-A85317439927}" type="datetimeFigureOut">
               <a:rPr lang="zh-CN" altLang="en-US" smtClean="0"/>
-              <a:t>2021-03-07</a:t>
+              <a:t>2021/3/7</a:t>
             </a:fld>
             <a:endParaRPr lang="zh-CN" altLang="en-US"/>
           </a:p>
@@ -666,7 +1142,7 @@
           <a:p>
             <a:fld id="{3694DE29-63D9-4436-BF1C-A85317439927}" type="datetimeFigureOut">
               <a:rPr lang="zh-CN" altLang="en-US" smtClean="0"/>
-              <a:t>2021-03-07</a:t>
+              <a:t>2021/3/7</a:t>
             </a:fld>
             <a:endParaRPr lang="zh-CN" altLang="en-US"/>
           </a:p>
@@ -864,7 +1340,7 @@
           <a:p>
             <a:fld id="{3694DE29-63D9-4436-BF1C-A85317439927}" type="datetimeFigureOut">
               <a:rPr lang="zh-CN" altLang="en-US" smtClean="0"/>
-              <a:t>2021-03-07</a:t>
+              <a:t>2021/3/7</a:t>
             </a:fld>
             <a:endParaRPr lang="zh-CN" altLang="en-US"/>
           </a:p>
@@ -1139,7 +1615,7 @@
           <a:p>
             <a:fld id="{3694DE29-63D9-4436-BF1C-A85317439927}" type="datetimeFigureOut">
               <a:rPr lang="zh-CN" altLang="en-US" smtClean="0"/>
-              <a:t>2021-03-07</a:t>
+              <a:t>2021/3/7</a:t>
             </a:fld>
             <a:endParaRPr lang="zh-CN" altLang="en-US"/>
           </a:p>
@@ -1404,7 +1880,7 @@
           <a:p>
             <a:fld id="{3694DE29-63D9-4436-BF1C-A85317439927}" type="datetimeFigureOut">
               <a:rPr lang="zh-CN" altLang="en-US" smtClean="0"/>
-              <a:t>2021-03-07</a:t>
+              <a:t>2021/3/7</a:t>
             </a:fld>
             <a:endParaRPr lang="zh-CN" altLang="en-US"/>
           </a:p>
@@ -1816,7 +2292,7 @@
           <a:p>
             <a:fld id="{3694DE29-63D9-4436-BF1C-A85317439927}" type="datetimeFigureOut">
               <a:rPr lang="zh-CN" altLang="en-US" smtClean="0"/>
-              <a:t>2021-03-07</a:t>
+              <a:t>2021/3/7</a:t>
             </a:fld>
             <a:endParaRPr lang="zh-CN" altLang="en-US"/>
           </a:p>
@@ -1957,7 +2433,7 @@
           <a:p>
             <a:fld id="{3694DE29-63D9-4436-BF1C-A85317439927}" type="datetimeFigureOut">
               <a:rPr lang="zh-CN" altLang="en-US" smtClean="0"/>
-              <a:t>2021-03-07</a:t>
+              <a:t>2021/3/7</a:t>
             </a:fld>
             <a:endParaRPr lang="zh-CN" altLang="en-US"/>
           </a:p>
@@ -2070,7 +2546,7 @@
           <a:p>
             <a:fld id="{3694DE29-63D9-4436-BF1C-A85317439927}" type="datetimeFigureOut">
               <a:rPr lang="zh-CN" altLang="en-US" smtClean="0"/>
-              <a:t>2021-03-07</a:t>
+              <a:t>2021/3/7</a:t>
             </a:fld>
             <a:endParaRPr lang="zh-CN" altLang="en-US"/>
           </a:p>
@@ -2381,7 +2857,7 @@
           <a:p>
             <a:fld id="{3694DE29-63D9-4436-BF1C-A85317439927}" type="datetimeFigureOut">
               <a:rPr lang="zh-CN" altLang="en-US" smtClean="0"/>
-              <a:t>2021-03-07</a:t>
+              <a:t>2021/3/7</a:t>
             </a:fld>
             <a:endParaRPr lang="zh-CN" altLang="en-US"/>
           </a:p>
@@ -2669,7 +3145,7 @@
           <a:p>
             <a:fld id="{3694DE29-63D9-4436-BF1C-A85317439927}" type="datetimeFigureOut">
               <a:rPr lang="zh-CN" altLang="en-US" smtClean="0"/>
-              <a:t>2021-03-07</a:t>
+              <a:t>2021/3/7</a:t>
             </a:fld>
             <a:endParaRPr lang="zh-CN" altLang="en-US"/>
           </a:p>
@@ -2910,7 +3386,7 @@
           <a:p>
             <a:fld id="{3694DE29-63D9-4436-BF1C-A85317439927}" type="datetimeFigureOut">
               <a:rPr lang="zh-CN" altLang="en-US" smtClean="0"/>
-              <a:t>2021-03-07</a:t>
+              <a:t>2021/3/7</a:t>
             </a:fld>
             <a:endParaRPr lang="zh-CN" altLang="en-US"/>
           </a:p>
@@ -3472,6 +3948,126 @@
 </p:sld>
 </file>
 
+<file path=ppt/slides/slide10.xml><?xml version="1.0" encoding="utf-8"?>
+<p:sld xmlns:a="http://schemas.openxmlformats.org/drawingml/2006/main" xmlns:r="http://schemas.openxmlformats.org/officeDocument/2006/relationships" xmlns:p="http://schemas.openxmlformats.org/presentationml/2006/main">
+  <p:cSld>
+    <p:spTree>
+      <p:nvGrpSpPr>
+        <p:cNvPr id="1" name=""/>
+        <p:cNvGrpSpPr/>
+        <p:nvPr/>
+      </p:nvGrpSpPr>
+      <p:grpSpPr>
+        <a:xfrm>
+          <a:off x="0" y="0"/>
+          <a:ext cx="0" cy="0"/>
+          <a:chOff x="0" y="0"/>
+          <a:chExt cx="0" cy="0"/>
+        </a:xfrm>
+      </p:grpSpPr>
+      <p:sp>
+        <p:nvSpPr>
+          <p:cNvPr id="2" name="标题 1">
+            <a:extLst>
+              <a:ext uri="{FF2B5EF4-FFF2-40B4-BE49-F238E27FC236}">
+                <a16:creationId xmlns:a16="http://schemas.microsoft.com/office/drawing/2014/main" id="{5157A34A-CAF6-4289-844A-6EDA3AC934A0}"/>
+              </a:ext>
+            </a:extLst>
+          </p:cNvPr>
+          <p:cNvSpPr>
+            <a:spLocks noGrp="1"/>
+          </p:cNvSpPr>
+          <p:nvPr>
+            <p:ph type="title"/>
+          </p:nvPr>
+        </p:nvSpPr>
+        <p:spPr/>
+        <p:txBody>
+          <a:bodyPr/>
+          <a:lstStyle/>
+          <a:p>
+            <a:r>
+              <a:rPr lang="zh-CN" altLang="en-US" dirty="0"/>
+              <a:t>说明</a:t>
+            </a:r>
+          </a:p>
+        </p:txBody>
+      </p:sp>
+      <p:sp>
+        <p:nvSpPr>
+          <p:cNvPr id="3" name="内容占位符 2">
+            <a:extLst>
+              <a:ext uri="{FF2B5EF4-FFF2-40B4-BE49-F238E27FC236}">
+                <a16:creationId xmlns:a16="http://schemas.microsoft.com/office/drawing/2014/main" id="{713E8D1C-6804-415A-8ABE-C715AFF7467A}"/>
+              </a:ext>
+            </a:extLst>
+          </p:cNvPr>
+          <p:cNvSpPr>
+            <a:spLocks noGrp="1"/>
+          </p:cNvSpPr>
+          <p:nvPr>
+            <p:ph idx="1"/>
+          </p:nvPr>
+        </p:nvSpPr>
+        <p:spPr/>
+        <p:txBody>
+          <a:bodyPr/>
+          <a:lstStyle/>
+          <a:p>
+            <a:r>
+              <a:rPr lang="zh-CN" altLang="en-US" dirty="0"/>
+              <a:t>真实世界中见过，甚至能验证身份（比如看看学生证），大大增加了安全感，妈妈再也不用担心我被假人骗的团团转啦</a:t>
+            </a:r>
+            <a:r>
+              <a:rPr lang="en-US" altLang="zh-CN" dirty="0"/>
+              <a:t>~</a:t>
+            </a:r>
+          </a:p>
+          <a:p>
+            <a:endParaRPr lang="en-US" altLang="zh-CN" dirty="0"/>
+          </a:p>
+          <a:p>
+            <a:r>
+              <a:rPr lang="zh-CN" altLang="en-US" dirty="0"/>
+              <a:t>路上碰见合适的，就大胆去给</a:t>
+            </a:r>
+            <a:r>
+              <a:rPr lang="en-US" altLang="zh-CN" dirty="0"/>
+              <a:t>TA</a:t>
+            </a:r>
+            <a:r>
+              <a:rPr lang="zh-CN" altLang="en-US" dirty="0"/>
+              <a:t>你的卡片吧</a:t>
+            </a:r>
+            <a:r>
+              <a:rPr lang="en-US" altLang="zh-CN" dirty="0"/>
+              <a:t>~</a:t>
+            </a:r>
+          </a:p>
+          <a:p>
+            <a:endParaRPr lang="en-US" altLang="zh-CN" dirty="0"/>
+          </a:p>
+          <a:p>
+            <a:r>
+              <a:rPr lang="zh-CN" altLang="en-US" dirty="0"/>
+              <a:t>从不同角度寻找共同兴趣和话题，增加做朋友的可能性</a:t>
+            </a:r>
+          </a:p>
+        </p:txBody>
+      </p:sp>
+    </p:spTree>
+    <p:extLst>
+      <p:ext uri="{BB962C8B-B14F-4D97-AF65-F5344CB8AC3E}">
+        <p14:creationId xmlns:p14="http://schemas.microsoft.com/office/powerpoint/2010/main" val="3978546420"/>
+      </p:ext>
+    </p:extLst>
+  </p:cSld>
+  <p:clrMapOvr>
+    <a:masterClrMapping/>
+  </p:clrMapOvr>
+</p:sld>
+</file>
+
 <file path=ppt/slides/slide2.xml><?xml version="1.0" encoding="utf-8"?>
 <p:sld xmlns:a="http://schemas.openxmlformats.org/drawingml/2006/main" xmlns:r="http://schemas.openxmlformats.org/officeDocument/2006/relationships" xmlns:p="http://schemas.openxmlformats.org/presentationml/2006/main">
   <p:cSld>
@@ -3510,7 +4106,10 @@
           <a:bodyPr/>
           <a:lstStyle/>
           <a:p>
-            <a:endParaRPr lang="zh-CN" altLang="en-US" dirty="0"/>
+            <a:r>
+              <a:rPr lang="zh-CN" altLang="en-US" dirty="0"/>
+              <a:t>硬件 软件 生态</a:t>
+            </a:r>
           </a:p>
         </p:txBody>
       </p:sp>
@@ -3543,6 +4142,942 @@
     <p:extLst>
       <p:ext uri="{BB962C8B-B14F-4D97-AF65-F5344CB8AC3E}">
         <p14:creationId xmlns:p14="http://schemas.microsoft.com/office/powerpoint/2010/main" val="4133597005"/>
+      </p:ext>
+    </p:extLst>
+  </p:cSld>
+  <p:clrMapOvr>
+    <a:masterClrMapping/>
+  </p:clrMapOvr>
+</p:sld>
+</file>
+
+<file path=ppt/slides/slide3.xml><?xml version="1.0" encoding="utf-8"?>
+<p:sld xmlns:a="http://schemas.openxmlformats.org/drawingml/2006/main" xmlns:r="http://schemas.openxmlformats.org/officeDocument/2006/relationships" xmlns:p="http://schemas.openxmlformats.org/presentationml/2006/main">
+  <p:cSld>
+    <p:spTree>
+      <p:nvGrpSpPr>
+        <p:cNvPr id="1" name=""/>
+        <p:cNvGrpSpPr/>
+        <p:nvPr/>
+      </p:nvGrpSpPr>
+      <p:grpSpPr>
+        <a:xfrm>
+          <a:off x="0" y="0"/>
+          <a:ext cx="0" cy="0"/>
+          <a:chOff x="0" y="0"/>
+          <a:chExt cx="0" cy="0"/>
+        </a:xfrm>
+      </p:grpSpPr>
+      <p:sp>
+        <p:nvSpPr>
+          <p:cNvPr id="2" name="标题 1">
+            <a:extLst>
+              <a:ext uri="{FF2B5EF4-FFF2-40B4-BE49-F238E27FC236}">
+                <a16:creationId xmlns:a16="http://schemas.microsoft.com/office/drawing/2014/main" id="{61A55B05-8552-4651-ADF3-DE5C1917B60F}"/>
+              </a:ext>
+            </a:extLst>
+          </p:cNvPr>
+          <p:cNvSpPr>
+            <a:spLocks noGrp="1"/>
+          </p:cNvSpPr>
+          <p:nvPr>
+            <p:ph type="title"/>
+          </p:nvPr>
+        </p:nvSpPr>
+        <p:spPr/>
+        <p:txBody>
+          <a:bodyPr/>
+          <a:lstStyle/>
+          <a:p>
+            <a:r>
+              <a:rPr lang="zh-CN" altLang="en-US" dirty="0"/>
+              <a:t>硬件</a:t>
+            </a:r>
+          </a:p>
+        </p:txBody>
+      </p:sp>
+      <p:sp>
+        <p:nvSpPr>
+          <p:cNvPr id="3" name="内容占位符 2">
+            <a:extLst>
+              <a:ext uri="{FF2B5EF4-FFF2-40B4-BE49-F238E27FC236}">
+                <a16:creationId xmlns:a16="http://schemas.microsoft.com/office/drawing/2014/main" id="{1BF8AFDF-5A83-4E39-B801-C70D4CE05807}"/>
+              </a:ext>
+            </a:extLst>
+          </p:cNvPr>
+          <p:cNvSpPr>
+            <a:spLocks noGrp="1"/>
+          </p:cNvSpPr>
+          <p:nvPr>
+            <p:ph idx="1"/>
+          </p:nvPr>
+        </p:nvSpPr>
+        <p:spPr>
+          <a:xfrm>
+            <a:off x="838200" y="1825624"/>
+            <a:ext cx="10515600" cy="4829175"/>
+          </a:xfrm>
+        </p:spPr>
+        <p:txBody>
+          <a:bodyPr>
+            <a:normAutofit/>
+          </a:bodyPr>
+          <a:lstStyle/>
+          <a:p>
+            <a:r>
+              <a:rPr lang="en-US" altLang="zh-CN" dirty="0"/>
+              <a:t>NFC</a:t>
+            </a:r>
+            <a:r>
+              <a:rPr lang="zh-CN" altLang="en-US" dirty="0"/>
+              <a:t>加持</a:t>
+            </a:r>
+            <a:endParaRPr lang="en-US" altLang="zh-CN" dirty="0"/>
+          </a:p>
+          <a:p>
+            <a:r>
+              <a:rPr lang="zh-CN" altLang="en-US" dirty="0"/>
+              <a:t>多样化封装可供选择</a:t>
+            </a:r>
+            <a:endParaRPr lang="en-US" altLang="zh-CN" dirty="0"/>
+          </a:p>
+          <a:p>
+            <a:pPr lvl="1"/>
+            <a:r>
+              <a:rPr lang="en-US" altLang="zh-CN" dirty="0"/>
+              <a:t>PCB</a:t>
+            </a:r>
+            <a:r>
+              <a:rPr lang="zh-CN" altLang="en-US" dirty="0"/>
+              <a:t>基板卡片</a:t>
+            </a:r>
+            <a:endParaRPr lang="en-US" altLang="zh-CN" dirty="0"/>
+          </a:p>
+          <a:p>
+            <a:pPr lvl="1"/>
+            <a:r>
+              <a:rPr lang="zh-CN" altLang="en-US" dirty="0"/>
+              <a:t>塑封标签（方卡或圆卡）</a:t>
+            </a:r>
+            <a:endParaRPr lang="en-US" altLang="zh-CN" dirty="0"/>
+          </a:p>
+          <a:p>
+            <a:pPr lvl="1"/>
+            <a:r>
+              <a:rPr lang="zh-CN" altLang="en-US" dirty="0"/>
+              <a:t>贴纸</a:t>
+            </a:r>
+            <a:endParaRPr lang="en-US" altLang="zh-CN" dirty="0"/>
+          </a:p>
+          <a:p>
+            <a:pPr lvl="1"/>
+            <a:r>
+              <a:rPr lang="zh-CN" altLang="en-US" dirty="0"/>
+              <a:t>手机壳</a:t>
+            </a:r>
+            <a:endParaRPr lang="en-US" altLang="zh-CN" dirty="0"/>
+          </a:p>
+          <a:p>
+            <a:pPr lvl="1"/>
+            <a:r>
+              <a:rPr lang="zh-CN" altLang="en-US" dirty="0"/>
+              <a:t>美甲芯片</a:t>
+            </a:r>
+            <a:endParaRPr lang="en-US" altLang="zh-CN" dirty="0"/>
+          </a:p>
+          <a:p>
+            <a:r>
+              <a:rPr lang="zh-CN" altLang="en-US" dirty="0"/>
+              <a:t>内置电纸屏，显示二维码等信息</a:t>
+            </a:r>
+            <a:endParaRPr lang="en-US" altLang="zh-CN" dirty="0"/>
+          </a:p>
+          <a:p>
+            <a:r>
+              <a:rPr lang="zh-CN" altLang="en-US" dirty="0"/>
+              <a:t>表面触摸按键，支持录入并切换不同卡片，门卡、水卡、会员卡</a:t>
+            </a:r>
+            <a:endParaRPr lang="en-US" altLang="zh-CN" dirty="0"/>
+          </a:p>
+          <a:p>
+            <a:r>
+              <a:rPr lang="zh-CN" altLang="en-US" dirty="0"/>
+              <a:t>定制款及联名款卡片</a:t>
+            </a:r>
+          </a:p>
+        </p:txBody>
+      </p:sp>
+    </p:spTree>
+    <p:extLst>
+      <p:ext uri="{BB962C8B-B14F-4D97-AF65-F5344CB8AC3E}">
+        <p14:creationId xmlns:p14="http://schemas.microsoft.com/office/powerpoint/2010/main" val="2866173623"/>
+      </p:ext>
+    </p:extLst>
+  </p:cSld>
+  <p:clrMapOvr>
+    <a:masterClrMapping/>
+  </p:clrMapOvr>
+</p:sld>
+</file>
+
+<file path=ppt/slides/slide4.xml><?xml version="1.0" encoding="utf-8"?>
+<p:sld xmlns:a="http://schemas.openxmlformats.org/drawingml/2006/main" xmlns:r="http://schemas.openxmlformats.org/officeDocument/2006/relationships" xmlns:p="http://schemas.openxmlformats.org/presentationml/2006/main">
+  <p:cSld>
+    <p:spTree>
+      <p:nvGrpSpPr>
+        <p:cNvPr id="1" name=""/>
+        <p:cNvGrpSpPr/>
+        <p:nvPr/>
+      </p:nvGrpSpPr>
+      <p:grpSpPr>
+        <a:xfrm>
+          <a:off x="0" y="0"/>
+          <a:ext cx="0" cy="0"/>
+          <a:chOff x="0" y="0"/>
+          <a:chExt cx="0" cy="0"/>
+        </a:xfrm>
+      </p:grpSpPr>
+      <p:sp>
+        <p:nvSpPr>
+          <p:cNvPr id="2" name="标题 1">
+            <a:extLst>
+              <a:ext uri="{FF2B5EF4-FFF2-40B4-BE49-F238E27FC236}">
+                <a16:creationId xmlns:a16="http://schemas.microsoft.com/office/drawing/2014/main" id="{DF04B196-ED37-4ACB-A13B-BEC9CE0456B7}"/>
+              </a:ext>
+            </a:extLst>
+          </p:cNvPr>
+          <p:cNvSpPr>
+            <a:spLocks noGrp="1"/>
+          </p:cNvSpPr>
+          <p:nvPr>
+            <p:ph type="title"/>
+          </p:nvPr>
+        </p:nvSpPr>
+        <p:spPr/>
+        <p:txBody>
+          <a:bodyPr/>
+          <a:lstStyle/>
+          <a:p>
+            <a:r>
+              <a:rPr lang="zh-CN" altLang="en-US" dirty="0"/>
+              <a:t>软件</a:t>
+            </a:r>
+          </a:p>
+        </p:txBody>
+      </p:sp>
+      <p:sp>
+        <p:nvSpPr>
+          <p:cNvPr id="3" name="内容占位符 2">
+            <a:extLst>
+              <a:ext uri="{FF2B5EF4-FFF2-40B4-BE49-F238E27FC236}">
+                <a16:creationId xmlns:a16="http://schemas.microsoft.com/office/drawing/2014/main" id="{5B2C5133-3385-43B4-B0FF-109EC4478D01}"/>
+              </a:ext>
+            </a:extLst>
+          </p:cNvPr>
+          <p:cNvSpPr>
+            <a:spLocks noGrp="1"/>
+          </p:cNvSpPr>
+          <p:nvPr>
+            <p:ph idx="1"/>
+          </p:nvPr>
+        </p:nvSpPr>
+        <p:spPr/>
+        <p:txBody>
+          <a:bodyPr/>
+          <a:lstStyle/>
+          <a:p>
+            <a:r>
+              <a:rPr lang="zh-CN" altLang="en-US" dirty="0"/>
+              <a:t>多端自适应网页（安卓、苹果）</a:t>
+            </a:r>
+            <a:endParaRPr lang="en-US" altLang="zh-CN" dirty="0"/>
+          </a:p>
+          <a:p>
+            <a:r>
+              <a:rPr lang="zh-CN" altLang="en-US" dirty="0"/>
+              <a:t>更多功能的</a:t>
+            </a:r>
+            <a:r>
+              <a:rPr lang="en-US" altLang="zh-CN" dirty="0"/>
+              <a:t>APP</a:t>
+            </a:r>
+            <a:r>
+              <a:rPr lang="zh-CN" altLang="en-US" dirty="0"/>
+              <a:t>（</a:t>
+            </a:r>
+            <a:r>
+              <a:rPr lang="en-US" altLang="zh-CN" dirty="0"/>
+              <a:t>Google Store</a:t>
+            </a:r>
+            <a:r>
+              <a:rPr lang="zh-CN" altLang="en-US" dirty="0"/>
+              <a:t>、</a:t>
+            </a:r>
+            <a:r>
+              <a:rPr lang="en-US" altLang="zh-CN" dirty="0"/>
+              <a:t>Apple Store</a:t>
+            </a:r>
+            <a:r>
+              <a:rPr lang="zh-CN" altLang="en-US" dirty="0"/>
+              <a:t>）</a:t>
+            </a:r>
+            <a:endParaRPr lang="en-US" altLang="zh-CN" dirty="0"/>
+          </a:p>
+          <a:p>
+            <a:r>
+              <a:rPr lang="zh-CN" altLang="en-US" dirty="0"/>
+              <a:t>接续自动弹出的提示框</a:t>
+            </a:r>
+            <a:endParaRPr lang="en-US" altLang="zh-CN" dirty="0"/>
+          </a:p>
+          <a:p>
+            <a:endParaRPr lang="en-US" altLang="zh-CN" dirty="0"/>
+          </a:p>
+          <a:p>
+            <a:endParaRPr lang="zh-CN" altLang="en-US" dirty="0"/>
+          </a:p>
+        </p:txBody>
+      </p:sp>
+    </p:spTree>
+    <p:extLst>
+      <p:ext uri="{BB962C8B-B14F-4D97-AF65-F5344CB8AC3E}">
+        <p14:creationId xmlns:p14="http://schemas.microsoft.com/office/powerpoint/2010/main" val="462689198"/>
+      </p:ext>
+    </p:extLst>
+  </p:cSld>
+  <p:clrMapOvr>
+    <a:masterClrMapping/>
+  </p:clrMapOvr>
+</p:sld>
+</file>
+
+<file path=ppt/slides/slide5.xml><?xml version="1.0" encoding="utf-8"?>
+<p:sld xmlns:a="http://schemas.openxmlformats.org/drawingml/2006/main" xmlns:r="http://schemas.openxmlformats.org/officeDocument/2006/relationships" xmlns:p="http://schemas.openxmlformats.org/presentationml/2006/main">
+  <p:cSld>
+    <p:spTree>
+      <p:nvGrpSpPr>
+        <p:cNvPr id="1" name=""/>
+        <p:cNvGrpSpPr/>
+        <p:nvPr/>
+      </p:nvGrpSpPr>
+      <p:grpSpPr>
+        <a:xfrm>
+          <a:off x="0" y="0"/>
+          <a:ext cx="0" cy="0"/>
+          <a:chOff x="0" y="0"/>
+          <a:chExt cx="0" cy="0"/>
+        </a:xfrm>
+      </p:grpSpPr>
+      <p:sp>
+        <p:nvSpPr>
+          <p:cNvPr id="2" name="标题 1">
+            <a:extLst>
+              <a:ext uri="{FF2B5EF4-FFF2-40B4-BE49-F238E27FC236}">
+                <a16:creationId xmlns:a16="http://schemas.microsoft.com/office/drawing/2014/main" id="{C72D269A-511B-4FC0-B920-8592F34D05CF}"/>
+              </a:ext>
+            </a:extLst>
+          </p:cNvPr>
+          <p:cNvSpPr>
+            <a:spLocks noGrp="1"/>
+          </p:cNvSpPr>
+          <p:nvPr>
+            <p:ph type="title"/>
+          </p:nvPr>
+        </p:nvSpPr>
+        <p:spPr/>
+        <p:txBody>
+          <a:bodyPr/>
+          <a:lstStyle/>
+          <a:p>
+            <a:r>
+              <a:rPr lang="zh-CN" altLang="en-US" dirty="0"/>
+              <a:t>服务</a:t>
+            </a:r>
+          </a:p>
+        </p:txBody>
+      </p:sp>
+      <p:sp>
+        <p:nvSpPr>
+          <p:cNvPr id="3" name="内容占位符 2">
+            <a:extLst>
+              <a:ext uri="{FF2B5EF4-FFF2-40B4-BE49-F238E27FC236}">
+                <a16:creationId xmlns:a16="http://schemas.microsoft.com/office/drawing/2014/main" id="{D9BDC466-3BFA-4FB9-AE3C-D9CA31C47C06}"/>
+              </a:ext>
+            </a:extLst>
+          </p:cNvPr>
+          <p:cNvSpPr>
+            <a:spLocks noGrp="1"/>
+          </p:cNvSpPr>
+          <p:nvPr>
+            <p:ph idx="1"/>
+          </p:nvPr>
+        </p:nvSpPr>
+        <p:spPr/>
+        <p:txBody>
+          <a:bodyPr/>
+          <a:lstStyle/>
+          <a:p>
+            <a:endParaRPr lang="zh-CN" altLang="en-US" dirty="0"/>
+          </a:p>
+        </p:txBody>
+      </p:sp>
+    </p:spTree>
+    <p:extLst>
+      <p:ext uri="{BB962C8B-B14F-4D97-AF65-F5344CB8AC3E}">
+        <p14:creationId xmlns:p14="http://schemas.microsoft.com/office/powerpoint/2010/main" val="2875431650"/>
+      </p:ext>
+    </p:extLst>
+  </p:cSld>
+  <p:clrMapOvr>
+    <a:masterClrMapping/>
+  </p:clrMapOvr>
+</p:sld>
+</file>
+
+<file path=ppt/slides/slide6.xml><?xml version="1.0" encoding="utf-8"?>
+<p:sld xmlns:a="http://schemas.openxmlformats.org/drawingml/2006/main" xmlns:r="http://schemas.openxmlformats.org/officeDocument/2006/relationships" xmlns:p="http://schemas.openxmlformats.org/presentationml/2006/main">
+  <p:cSld>
+    <p:spTree>
+      <p:nvGrpSpPr>
+        <p:cNvPr id="1" name=""/>
+        <p:cNvGrpSpPr/>
+        <p:nvPr/>
+      </p:nvGrpSpPr>
+      <p:grpSpPr>
+        <a:xfrm>
+          <a:off x="0" y="0"/>
+          <a:ext cx="0" cy="0"/>
+          <a:chOff x="0" y="0"/>
+          <a:chExt cx="0" cy="0"/>
+        </a:xfrm>
+      </p:grpSpPr>
+      <p:sp>
+        <p:nvSpPr>
+          <p:cNvPr id="2" name="标题 1">
+            <a:extLst>
+              <a:ext uri="{FF2B5EF4-FFF2-40B4-BE49-F238E27FC236}">
+                <a16:creationId xmlns:a16="http://schemas.microsoft.com/office/drawing/2014/main" id="{3A982B6A-886D-40C5-AD68-7B623D4CBB0C}"/>
+              </a:ext>
+            </a:extLst>
+          </p:cNvPr>
+          <p:cNvSpPr>
+            <a:spLocks noGrp="1"/>
+          </p:cNvSpPr>
+          <p:nvPr>
+            <p:ph type="title"/>
+          </p:nvPr>
+        </p:nvSpPr>
+        <p:spPr/>
+        <p:txBody>
+          <a:bodyPr/>
+          <a:lstStyle/>
+          <a:p>
+            <a:r>
+              <a:rPr lang="en-US" altLang="zh-CN" dirty="0" err="1"/>
+              <a:t>iTag</a:t>
+            </a:r>
+            <a:r>
+              <a:rPr lang="zh-CN" altLang="en-US" dirty="0"/>
+              <a:t>的构想</a:t>
+            </a:r>
+          </a:p>
+        </p:txBody>
+      </p:sp>
+      <p:sp>
+        <p:nvSpPr>
+          <p:cNvPr id="3" name="文本占位符 2">
+            <a:extLst>
+              <a:ext uri="{FF2B5EF4-FFF2-40B4-BE49-F238E27FC236}">
+                <a16:creationId xmlns:a16="http://schemas.microsoft.com/office/drawing/2014/main" id="{8BFBEFE0-40D6-4139-81B0-CDBF2782385E}"/>
+              </a:ext>
+            </a:extLst>
+          </p:cNvPr>
+          <p:cNvSpPr>
+            <a:spLocks noGrp="1"/>
+          </p:cNvSpPr>
+          <p:nvPr>
+            <p:ph type="body" idx="1"/>
+          </p:nvPr>
+        </p:nvSpPr>
+        <p:spPr/>
+        <p:txBody>
+          <a:bodyPr/>
+          <a:lstStyle/>
+          <a:p>
+            <a:r>
+              <a:rPr lang="zh-CN" altLang="en-US" dirty="0"/>
+              <a:t>此章节纯属虚构，具体请以实物为准</a:t>
+            </a:r>
+            <a:endParaRPr lang="en-US" altLang="zh-CN" dirty="0"/>
+          </a:p>
+          <a:p>
+            <a:endParaRPr lang="en-US" altLang="zh-CN" dirty="0"/>
+          </a:p>
+          <a:p>
+            <a:r>
+              <a:rPr lang="zh-CN" altLang="en-US" dirty="0"/>
+              <a:t>如有雷同，他抄我的</a:t>
+            </a:r>
+          </a:p>
+        </p:txBody>
+      </p:sp>
+    </p:spTree>
+    <p:extLst>
+      <p:ext uri="{BB962C8B-B14F-4D97-AF65-F5344CB8AC3E}">
+        <p14:creationId xmlns:p14="http://schemas.microsoft.com/office/powerpoint/2010/main" val="2034422820"/>
+      </p:ext>
+    </p:extLst>
+  </p:cSld>
+  <p:clrMapOvr>
+    <a:masterClrMapping/>
+  </p:clrMapOvr>
+</p:sld>
+</file>
+
+<file path=ppt/slides/slide7.xml><?xml version="1.0" encoding="utf-8"?>
+<p:sld xmlns:a="http://schemas.openxmlformats.org/drawingml/2006/main" xmlns:r="http://schemas.openxmlformats.org/officeDocument/2006/relationships" xmlns:p="http://schemas.openxmlformats.org/presentationml/2006/main">
+  <p:cSld>
+    <p:spTree>
+      <p:nvGrpSpPr>
+        <p:cNvPr id="1" name=""/>
+        <p:cNvGrpSpPr/>
+        <p:nvPr/>
+      </p:nvGrpSpPr>
+      <p:grpSpPr>
+        <a:xfrm>
+          <a:off x="0" y="0"/>
+          <a:ext cx="0" cy="0"/>
+          <a:chOff x="0" y="0"/>
+          <a:chExt cx="0" cy="0"/>
+        </a:xfrm>
+      </p:grpSpPr>
+      <p:sp>
+        <p:nvSpPr>
+          <p:cNvPr id="2" name="标题 1">
+            <a:extLst>
+              <a:ext uri="{FF2B5EF4-FFF2-40B4-BE49-F238E27FC236}">
+                <a16:creationId xmlns:a16="http://schemas.microsoft.com/office/drawing/2014/main" id="{0FF4B766-D8B3-4867-BDCA-07B5ADFB17DF}"/>
+              </a:ext>
+            </a:extLst>
+          </p:cNvPr>
+          <p:cNvSpPr>
+            <a:spLocks noGrp="1"/>
+          </p:cNvSpPr>
+          <p:nvPr>
+            <p:ph type="title"/>
+          </p:nvPr>
+        </p:nvSpPr>
+        <p:spPr/>
+        <p:txBody>
+          <a:bodyPr/>
+          <a:lstStyle/>
+          <a:p>
+            <a:r>
+              <a:rPr lang="zh-CN" altLang="en-US" dirty="0"/>
+              <a:t>痛点</a:t>
+            </a:r>
+          </a:p>
+        </p:txBody>
+      </p:sp>
+      <p:sp>
+        <p:nvSpPr>
+          <p:cNvPr id="3" name="内容占位符 2">
+            <a:extLst>
+              <a:ext uri="{FF2B5EF4-FFF2-40B4-BE49-F238E27FC236}">
+                <a16:creationId xmlns:a16="http://schemas.microsoft.com/office/drawing/2014/main" id="{F7DB920F-A4A2-4DFB-9311-93CCFBB4E33E}"/>
+              </a:ext>
+            </a:extLst>
+          </p:cNvPr>
+          <p:cNvSpPr>
+            <a:spLocks noGrp="1"/>
+          </p:cNvSpPr>
+          <p:nvPr>
+            <p:ph idx="1"/>
+          </p:nvPr>
+        </p:nvSpPr>
+        <p:spPr/>
+        <p:txBody>
+          <a:bodyPr>
+            <a:normAutofit fontScale="92500" lnSpcReduction="10000"/>
+          </a:bodyPr>
+          <a:lstStyle/>
+          <a:p>
+            <a:r>
+              <a:rPr lang="zh-CN" altLang="en-US" dirty="0"/>
+              <a:t>信息安全问题：</a:t>
+            </a:r>
+            <a:r>
+              <a:rPr lang="en-US" altLang="zh-CN" dirty="0"/>
+              <a:t>LBS</a:t>
+            </a:r>
+            <a:r>
+              <a:rPr lang="zh-CN" altLang="en-US" dirty="0"/>
+              <a:t>应用普遍存在的问题，海量个人信息（特别是位置信息）泄露的可能性</a:t>
+            </a:r>
+          </a:p>
+          <a:p>
+            <a:r>
+              <a:rPr lang="zh-CN" altLang="en-US" dirty="0"/>
+              <a:t>用户人身安全问题</a:t>
+            </a:r>
+          </a:p>
+          <a:p>
+            <a:r>
+              <a:rPr lang="zh-CN" altLang="en-US" dirty="0"/>
+              <a:t>荷尔蒙导向应用的不可持续性和用户留存率低</a:t>
+            </a:r>
+          </a:p>
+          <a:p>
+            <a:r>
+              <a:rPr lang="zh-CN" altLang="en-US" dirty="0"/>
+              <a:t>很多人不愿意不希望自己的真实照片被公开，被挑选。</a:t>
+            </a:r>
+          </a:p>
+          <a:p>
+            <a:r>
+              <a:rPr lang="zh-CN" altLang="en-US" dirty="0"/>
+              <a:t>关键词审核过于严格，实名信息审查过于敷衍了事</a:t>
+            </a:r>
+          </a:p>
+          <a:p>
+            <a:r>
+              <a:rPr lang="zh-CN" altLang="en-US" dirty="0"/>
+              <a:t>大量虚假用户和骗子，平台鱼龙混杂</a:t>
+            </a:r>
+          </a:p>
+          <a:p>
+            <a:r>
+              <a:rPr lang="zh-CN" altLang="en-US" dirty="0"/>
+              <a:t>平台收费过高，线下分店通过和代理商和托儿一起蒙骗客户盈利</a:t>
+            </a:r>
+          </a:p>
+          <a:p>
+            <a:r>
+              <a:rPr lang="zh-CN" altLang="en-US" dirty="0"/>
+              <a:t>流量中心化：少数用户获得多数资源</a:t>
+            </a:r>
+            <a:r>
+              <a:rPr lang="en-US" altLang="zh-CN" dirty="0"/>
+              <a:t>——</a:t>
+            </a:r>
+            <a:r>
+              <a:rPr lang="zh-CN" altLang="en-US" dirty="0"/>
+              <a:t>社交资本太单一，基本就只以颜值为主</a:t>
+            </a:r>
+          </a:p>
+        </p:txBody>
+      </p:sp>
+    </p:spTree>
+    <p:extLst>
+      <p:ext uri="{BB962C8B-B14F-4D97-AF65-F5344CB8AC3E}">
+        <p14:creationId xmlns:p14="http://schemas.microsoft.com/office/powerpoint/2010/main" val="3563197802"/>
+      </p:ext>
+    </p:extLst>
+  </p:cSld>
+  <p:clrMapOvr>
+    <a:masterClrMapping/>
+  </p:clrMapOvr>
+</p:sld>
+</file>
+
+<file path=ppt/slides/slide8.xml><?xml version="1.0" encoding="utf-8"?>
+<p:sld xmlns:a="http://schemas.openxmlformats.org/drawingml/2006/main" xmlns:r="http://schemas.openxmlformats.org/officeDocument/2006/relationships" xmlns:p="http://schemas.openxmlformats.org/presentationml/2006/main">
+  <p:cSld>
+    <p:spTree>
+      <p:nvGrpSpPr>
+        <p:cNvPr id="1" name=""/>
+        <p:cNvGrpSpPr/>
+        <p:nvPr/>
+      </p:nvGrpSpPr>
+      <p:grpSpPr>
+        <a:xfrm>
+          <a:off x="0" y="0"/>
+          <a:ext cx="0" cy="0"/>
+          <a:chOff x="0" y="0"/>
+          <a:chExt cx="0" cy="0"/>
+        </a:xfrm>
+      </p:grpSpPr>
+      <p:sp>
+        <p:nvSpPr>
+          <p:cNvPr id="2" name="标题 1">
+            <a:extLst>
+              <a:ext uri="{FF2B5EF4-FFF2-40B4-BE49-F238E27FC236}">
+                <a16:creationId xmlns:a16="http://schemas.microsoft.com/office/drawing/2014/main" id="{69C3587A-3FBF-4951-A6CB-96D09049DA96}"/>
+              </a:ext>
+            </a:extLst>
+          </p:cNvPr>
+          <p:cNvSpPr>
+            <a:spLocks noGrp="1"/>
+          </p:cNvSpPr>
+          <p:nvPr>
+            <p:ph type="title"/>
+          </p:nvPr>
+        </p:nvSpPr>
+        <p:spPr/>
+        <p:txBody>
+          <a:bodyPr/>
+          <a:lstStyle/>
+          <a:p>
+            <a:r>
+              <a:rPr lang="zh-CN" altLang="en-US" dirty="0"/>
+              <a:t>提出</a:t>
+            </a:r>
+          </a:p>
+        </p:txBody>
+      </p:sp>
+      <p:sp>
+        <p:nvSpPr>
+          <p:cNvPr id="3" name="内容占位符 2">
+            <a:extLst>
+              <a:ext uri="{FF2B5EF4-FFF2-40B4-BE49-F238E27FC236}">
+                <a16:creationId xmlns:a16="http://schemas.microsoft.com/office/drawing/2014/main" id="{22EB1E57-B13B-4100-A60D-202E0512B0AE}"/>
+              </a:ext>
+            </a:extLst>
+          </p:cNvPr>
+          <p:cNvSpPr>
+            <a:spLocks noGrp="1"/>
+          </p:cNvSpPr>
+          <p:nvPr>
+            <p:ph idx="1"/>
+          </p:nvPr>
+        </p:nvSpPr>
+        <p:spPr/>
+        <p:txBody>
+          <a:bodyPr/>
+          <a:lstStyle/>
+          <a:p>
+            <a:r>
+              <a:rPr lang="zh-CN" altLang="en-US" dirty="0"/>
+              <a:t>不再要求用户提供位置权限</a:t>
+            </a:r>
+            <a:endParaRPr lang="en-US" altLang="zh-CN" dirty="0"/>
+          </a:p>
+          <a:p>
+            <a:r>
+              <a:rPr lang="zh-CN" altLang="en-US" dirty="0"/>
+              <a:t>用户不必向公网公布个人信息，也不必给平台提供任何信息</a:t>
+            </a:r>
+            <a:endParaRPr lang="en-US" altLang="zh-CN" dirty="0"/>
+          </a:p>
+          <a:p>
+            <a:r>
+              <a:rPr lang="zh-CN" altLang="en-US" dirty="0"/>
+              <a:t>提倡长期关系，而非荷尔蒙驱动关系</a:t>
+            </a:r>
+            <a:endParaRPr lang="en-US" altLang="zh-CN" dirty="0"/>
+          </a:p>
+          <a:p>
+            <a:r>
+              <a:rPr lang="zh-CN" altLang="en-US" dirty="0"/>
+              <a:t>多元的社交资本，避免流量中心化</a:t>
+            </a:r>
+            <a:endParaRPr lang="en-US" altLang="zh-CN" dirty="0"/>
+          </a:p>
+          <a:p>
+            <a:r>
+              <a:rPr lang="zh-CN" altLang="en-US" dirty="0"/>
+              <a:t>安全的兴趣广场</a:t>
+            </a:r>
+            <a:endParaRPr lang="en-US" altLang="zh-CN" dirty="0"/>
+          </a:p>
+          <a:p>
+            <a:r>
+              <a:rPr lang="zh-CN" altLang="en-US" dirty="0"/>
+              <a:t>可持续发展，高的用户留存度</a:t>
+            </a:r>
+            <a:endParaRPr lang="en-US" altLang="zh-CN" dirty="0"/>
+          </a:p>
+          <a:p>
+            <a:r>
+              <a:rPr lang="zh-CN" altLang="en-US" dirty="0"/>
+              <a:t>全免费平台，无广告环境</a:t>
+            </a:r>
+          </a:p>
+        </p:txBody>
+      </p:sp>
+    </p:spTree>
+    <p:extLst>
+      <p:ext uri="{BB962C8B-B14F-4D97-AF65-F5344CB8AC3E}">
+        <p14:creationId xmlns:p14="http://schemas.microsoft.com/office/powerpoint/2010/main" val="2016143218"/>
+      </p:ext>
+    </p:extLst>
+  </p:cSld>
+  <p:clrMapOvr>
+    <a:masterClrMapping/>
+  </p:clrMapOvr>
+</p:sld>
+</file>
+
+<file path=ppt/slides/slide9.xml><?xml version="1.0" encoding="utf-8"?>
+<p:sld xmlns:a="http://schemas.openxmlformats.org/drawingml/2006/main" xmlns:r="http://schemas.openxmlformats.org/officeDocument/2006/relationships" xmlns:p="http://schemas.openxmlformats.org/presentationml/2006/main">
+  <p:cSld>
+    <p:spTree>
+      <p:nvGrpSpPr>
+        <p:cNvPr id="1" name=""/>
+        <p:cNvGrpSpPr/>
+        <p:nvPr/>
+      </p:nvGrpSpPr>
+      <p:grpSpPr>
+        <a:xfrm>
+          <a:off x="0" y="0"/>
+          <a:ext cx="0" cy="0"/>
+          <a:chOff x="0" y="0"/>
+          <a:chExt cx="0" cy="0"/>
+        </a:xfrm>
+      </p:grpSpPr>
+      <p:sp>
+        <p:nvSpPr>
+          <p:cNvPr id="2" name="标题 1">
+            <a:extLst>
+              <a:ext uri="{FF2B5EF4-FFF2-40B4-BE49-F238E27FC236}">
+                <a16:creationId xmlns:a16="http://schemas.microsoft.com/office/drawing/2014/main" id="{B0567BB8-375A-4A99-8063-73D9C586EB03}"/>
+              </a:ext>
+            </a:extLst>
+          </p:cNvPr>
+          <p:cNvSpPr>
+            <a:spLocks noGrp="1"/>
+          </p:cNvSpPr>
+          <p:nvPr>
+            <p:ph type="title"/>
+          </p:nvPr>
+        </p:nvSpPr>
+        <p:spPr/>
+        <p:txBody>
+          <a:bodyPr/>
+          <a:lstStyle/>
+          <a:p>
+            <a:r>
+              <a:rPr lang="zh-CN" altLang="en-US" dirty="0"/>
+              <a:t>解决</a:t>
+            </a:r>
+          </a:p>
+        </p:txBody>
+      </p:sp>
+      <p:sp>
+        <p:nvSpPr>
+          <p:cNvPr id="3" name="内容占位符 2">
+            <a:extLst>
+              <a:ext uri="{FF2B5EF4-FFF2-40B4-BE49-F238E27FC236}">
+                <a16:creationId xmlns:a16="http://schemas.microsoft.com/office/drawing/2014/main" id="{075494FB-26E8-473C-BD38-BFD171E84C37}"/>
+              </a:ext>
+            </a:extLst>
+          </p:cNvPr>
+          <p:cNvSpPr>
+            <a:spLocks noGrp="1"/>
+          </p:cNvSpPr>
+          <p:nvPr>
+            <p:ph idx="1"/>
+          </p:nvPr>
+        </p:nvSpPr>
+        <p:spPr/>
+        <p:txBody>
+          <a:bodyPr>
+            <a:normAutofit fontScale="92500"/>
+          </a:bodyPr>
+          <a:lstStyle/>
+          <a:p>
+            <a:r>
+              <a:rPr lang="zh-CN" altLang="en-US" dirty="0"/>
+              <a:t>一款从线下开始的陌生人社交应用：</a:t>
+            </a:r>
+            <a:endParaRPr lang="en-US" altLang="zh-CN" dirty="0"/>
+          </a:p>
+          <a:p>
+            <a:endParaRPr lang="en-US" altLang="zh-CN" dirty="0"/>
+          </a:p>
+          <a:p>
+            <a:r>
+              <a:rPr lang="en-US" altLang="zh-CN" dirty="0"/>
+              <a:t>NFC</a:t>
+            </a:r>
+            <a:r>
+              <a:rPr lang="zh-CN" altLang="en-US" dirty="0"/>
+              <a:t>卡片加持，只有刷卡才能加好友哦</a:t>
+            </a:r>
+            <a:endParaRPr lang="en-US" altLang="zh-CN" dirty="0"/>
+          </a:p>
+          <a:p>
+            <a:r>
+              <a:rPr lang="zh-CN" altLang="en-US" dirty="0"/>
+              <a:t>自定义主页预设，可当场选择想给</a:t>
+            </a:r>
+            <a:r>
+              <a:rPr lang="en-US" altLang="zh-CN" dirty="0"/>
+              <a:t>TA</a:t>
+            </a:r>
+            <a:r>
+              <a:rPr lang="zh-CN" altLang="en-US" dirty="0"/>
+              <a:t>看的信息，真正做到千人千面</a:t>
+            </a:r>
+            <a:endParaRPr lang="en-US" altLang="zh-CN" dirty="0"/>
+          </a:p>
+          <a:p>
+            <a:r>
+              <a:rPr lang="zh-CN" altLang="en-US" dirty="0"/>
+              <a:t>和不同社交软件联动，在其他软件里面展示自己不同角度的闪光点吧</a:t>
+            </a:r>
+            <a:endParaRPr lang="en-US" altLang="zh-CN" dirty="0"/>
+          </a:p>
+          <a:p>
+            <a:r>
+              <a:rPr lang="zh-CN" altLang="en-US" dirty="0"/>
+              <a:t>组织线下主题兴趣小聚，给有共同兴趣话题的人提供机会</a:t>
+            </a:r>
+            <a:endParaRPr lang="en-US" altLang="zh-CN" dirty="0"/>
+          </a:p>
+          <a:p>
+            <a:r>
+              <a:rPr lang="zh-CN" altLang="en-US" dirty="0"/>
+              <a:t>定制联名款卡片，你就是人群中最亮的崽</a:t>
+            </a:r>
+            <a:endParaRPr lang="en-US" altLang="zh-CN" dirty="0"/>
+          </a:p>
+          <a:p>
+            <a:r>
+              <a:rPr lang="zh-CN" altLang="en-US" dirty="0"/>
+              <a:t>好友</a:t>
+            </a:r>
+            <a:r>
+              <a:rPr lang="en-US" altLang="zh-CN" dirty="0"/>
+              <a:t>Follow</a:t>
+            </a:r>
+            <a:r>
+              <a:rPr lang="zh-CN" altLang="en-US" dirty="0"/>
+              <a:t>系统，查看</a:t>
+            </a:r>
+            <a:r>
+              <a:rPr lang="en-US" altLang="zh-CN" dirty="0"/>
+              <a:t>Follower</a:t>
+            </a:r>
+            <a:r>
+              <a:rPr lang="zh-CN" altLang="en-US" dirty="0"/>
+              <a:t>共享给你的</a:t>
+            </a:r>
+            <a:r>
+              <a:rPr lang="en-US" altLang="zh-CN" dirty="0"/>
+              <a:t>TA</a:t>
+            </a:r>
+            <a:r>
+              <a:rPr lang="zh-CN" altLang="en-US" dirty="0"/>
+              <a:t>的信息吧</a:t>
+            </a:r>
+            <a:r>
+              <a:rPr lang="en-US" altLang="zh-CN" dirty="0"/>
+              <a:t>~</a:t>
+            </a:r>
+          </a:p>
+          <a:p>
+            <a:r>
+              <a:rPr lang="zh-CN" altLang="en-US" dirty="0"/>
+              <a:t>免费提供服务，无广告</a:t>
+            </a:r>
+          </a:p>
+        </p:txBody>
+      </p:sp>
+    </p:spTree>
+    <p:extLst>
+      <p:ext uri="{BB962C8B-B14F-4D97-AF65-F5344CB8AC3E}">
+        <p14:creationId xmlns:p14="http://schemas.microsoft.com/office/powerpoint/2010/main" val="29179760"/>
       </p:ext>
     </p:extLst>
   </p:cSld>
@@ -3845,4 +5380,299 @@
     </a:ext>
   </a:extLst>
 </a:theme>
+</file>
+
+<file path=ppt/theme/theme2.xml><?xml version="1.0" encoding="utf-8"?>
+<a:theme xmlns:a="http://schemas.openxmlformats.org/drawingml/2006/main" name="Office 主题​​">
+  <a:themeElements>
+    <a:clrScheme name="Office">
+      <a:dk1>
+        <a:sysClr val="windowText" lastClr="000000"/>
+      </a:dk1>
+      <a:lt1>
+        <a:sysClr val="window" lastClr="FFFFFF"/>
+      </a:lt1>
+      <a:dk2>
+        <a:srgbClr val="44546A"/>
+      </a:dk2>
+      <a:lt2>
+        <a:srgbClr val="E7E6E6"/>
+      </a:lt2>
+      <a:accent1>
+        <a:srgbClr val="4472C4"/>
+      </a:accent1>
+      <a:accent2>
+        <a:srgbClr val="ED7D31"/>
+      </a:accent2>
+      <a:accent3>
+        <a:srgbClr val="A5A5A5"/>
+      </a:accent3>
+      <a:accent4>
+        <a:srgbClr val="FFC000"/>
+      </a:accent4>
+      <a:accent5>
+        <a:srgbClr val="5B9BD5"/>
+      </a:accent5>
+      <a:accent6>
+        <a:srgbClr val="70AD47"/>
+      </a:accent6>
+      <a:hlink>
+        <a:srgbClr val="0563C1"/>
+      </a:hlink>
+      <a:folHlink>
+        <a:srgbClr val="954F72"/>
+      </a:folHlink>
+    </a:clrScheme>
+    <a:fontScheme name="Office">
+      <a:majorFont>
+        <a:latin typeface="等线 Light" panose="020F0302020204030204"/>
+        <a:ea typeface=""/>
+        <a:cs typeface=""/>
+        <a:font script="Jpan" typeface="游ゴシック Light"/>
+        <a:font script="Hang" typeface="맑은 고딕"/>
+        <a:font script="Hans" typeface="等线 Light"/>
+        <a:font script="Hant" typeface="新細明體"/>
+        <a:font script="Arab" typeface="Times New Roman"/>
+        <a:font script="Hebr" typeface="Times New Roman"/>
+        <a:font script="Thai" typeface="Angsana New"/>
+        <a:font script="Ethi" typeface="Nyala"/>
+        <a:font script="Beng" typeface="Vrinda"/>
+        <a:font script="Gujr" typeface="Shruti"/>
+        <a:font script="Khmr" typeface="MoolBoran"/>
+        <a:font script="Knda" typeface="Tunga"/>
+        <a:font script="Guru" typeface="Raavi"/>
+        <a:font script="Cans" typeface="Euphemia"/>
+        <a:font script="Cher" typeface="Plantagenet Cherokee"/>
+        <a:font script="Yiii" typeface="Microsoft Yi Baiti"/>
+        <a:font script="Tibt" typeface="Microsoft Himalaya"/>
+        <a:font script="Thaa" typeface="MV Boli"/>
+        <a:font script="Deva" typeface="Mangal"/>
+        <a:font script="Telu" typeface="Gautami"/>
+        <a:font script="Taml" typeface="Latha"/>
+        <a:font script="Syrc" typeface="Estrangelo Edessa"/>
+        <a:font script="Orya" typeface="Kalinga"/>
+        <a:font script="Mlym" typeface="Kartika"/>
+        <a:font script="Laoo" typeface="DokChampa"/>
+        <a:font script="Sinh" typeface="Iskoola Pota"/>
+        <a:font script="Mong" typeface="Mongolian Baiti"/>
+        <a:font script="Viet" typeface="Times New Roman"/>
+        <a:font script="Uigh" typeface="Microsoft Uighur"/>
+        <a:font script="Geor" typeface="Sylfaen"/>
+        <a:font script="Armn" typeface="Arial"/>
+        <a:font script="Bugi" typeface="Leelawadee UI"/>
+        <a:font script="Bopo" typeface="Microsoft JhengHei"/>
+        <a:font script="Java" typeface="Javanese Text"/>
+        <a:font script="Lisu" typeface="Segoe UI"/>
+        <a:font script="Mymr" typeface="Myanmar Text"/>
+        <a:font script="Nkoo" typeface="Ebrima"/>
+        <a:font script="Olck" typeface="Nirmala UI"/>
+        <a:font script="Osma" typeface="Ebrima"/>
+        <a:font script="Phag" typeface="Phagspa"/>
+        <a:font script="Syrn" typeface="Estrangelo Edessa"/>
+        <a:font script="Syrj" typeface="Estrangelo Edessa"/>
+        <a:font script="Syre" typeface="Estrangelo Edessa"/>
+        <a:font script="Sora" typeface="Nirmala UI"/>
+        <a:font script="Tale" typeface="Microsoft Tai Le"/>
+        <a:font script="Talu" typeface="Microsoft New Tai Lue"/>
+        <a:font script="Tfng" typeface="Ebrima"/>
+      </a:majorFont>
+      <a:minorFont>
+        <a:latin typeface="等线" panose="020F0502020204030204"/>
+        <a:ea typeface=""/>
+        <a:cs typeface=""/>
+        <a:font script="Jpan" typeface="游ゴシック"/>
+        <a:font script="Hang" typeface="맑은 고딕"/>
+        <a:font script="Hans" typeface="等线"/>
+        <a:font script="Hant" typeface="新細明體"/>
+        <a:font script="Arab" typeface="Arial"/>
+        <a:font script="Hebr" typeface="Arial"/>
+        <a:font script="Thai" typeface="Cordia New"/>
+        <a:font script="Ethi" typeface="Nyala"/>
+        <a:font script="Beng" typeface="Vrinda"/>
+        <a:font script="Gujr" typeface="Shruti"/>
+        <a:font script="Khmr" typeface="DaunPenh"/>
+        <a:font script="Knda" typeface="Tunga"/>
+        <a:font script="Guru" typeface="Raavi"/>
+        <a:font script="Cans" typeface="Euphemia"/>
+        <a:font script="Cher" typeface="Plantagenet Cherokee"/>
+        <a:font script="Yiii" typeface="Microsoft Yi Baiti"/>
+        <a:font script="Tibt" typeface="Microsoft Himalaya"/>
+        <a:font script="Thaa" typeface="MV Boli"/>
+        <a:font script="Deva" typeface="Mangal"/>
+        <a:font script="Telu" typeface="Gautami"/>
+        <a:font script="Taml" typeface="Latha"/>
+        <a:font script="Syrc" typeface="Estrangelo Edessa"/>
+        <a:font script="Orya" typeface="Kalinga"/>
+        <a:font script="Mlym" typeface="Kartika"/>
+        <a:font script="Laoo" typeface="DokChampa"/>
+        <a:font script="Sinh" typeface="Iskoola Pota"/>
+        <a:font script="Mong" typeface="Mongolian Baiti"/>
+        <a:font script="Viet" typeface="Arial"/>
+        <a:font script="Uigh" typeface="Microsoft Uighur"/>
+        <a:font script="Geor" typeface="Sylfaen"/>
+        <a:font script="Armn" typeface="Arial"/>
+        <a:font script="Bugi" typeface="Leelawadee UI"/>
+        <a:font script="Bopo" typeface="Microsoft JhengHei"/>
+        <a:font script="Java" typeface="Javanese Text"/>
+        <a:font script="Lisu" typeface="Segoe UI"/>
+        <a:font script="Mymr" typeface="Myanmar Text"/>
+        <a:font script="Nkoo" typeface="Ebrima"/>
+        <a:font script="Olck" typeface="Nirmala UI"/>
+        <a:font script="Osma" typeface="Ebrima"/>
+        <a:font script="Phag" typeface="Phagspa"/>
+        <a:font script="Syrn" typeface="Estrangelo Edessa"/>
+        <a:font script="Syrj" typeface="Estrangelo Edessa"/>
+        <a:font script="Syre" typeface="Estrangelo Edessa"/>
+        <a:font script="Sora" typeface="Nirmala UI"/>
+        <a:font script="Tale" typeface="Microsoft Tai Le"/>
+        <a:font script="Talu" typeface="Microsoft New Tai Lue"/>
+        <a:font script="Tfng" typeface="Ebrima"/>
+      </a:minorFont>
+    </a:fontScheme>
+    <a:fmtScheme name="Office">
+      <a:fillStyleLst>
+        <a:solidFill>
+          <a:schemeClr val="phClr"/>
+        </a:solidFill>
+        <a:gradFill rotWithShape="1">
+          <a:gsLst>
+            <a:gs pos="0">
+              <a:schemeClr val="phClr">
+                <a:lumMod val="110000"/>
+                <a:satMod val="105000"/>
+                <a:tint val="67000"/>
+              </a:schemeClr>
+            </a:gs>
+            <a:gs pos="50000">
+              <a:schemeClr val="phClr">
+                <a:lumMod val="105000"/>
+                <a:satMod val="103000"/>
+                <a:tint val="73000"/>
+              </a:schemeClr>
+            </a:gs>
+            <a:gs pos="100000">
+              <a:schemeClr val="phClr">
+                <a:lumMod val="105000"/>
+                <a:satMod val="109000"/>
+                <a:tint val="81000"/>
+              </a:schemeClr>
+            </a:gs>
+          </a:gsLst>
+          <a:lin ang="5400000" scaled="0"/>
+        </a:gradFill>
+        <a:gradFill rotWithShape="1">
+          <a:gsLst>
+            <a:gs pos="0">
+              <a:schemeClr val="phClr">
+                <a:satMod val="103000"/>
+                <a:lumMod val="102000"/>
+                <a:tint val="94000"/>
+              </a:schemeClr>
+            </a:gs>
+            <a:gs pos="50000">
+              <a:schemeClr val="phClr">
+                <a:satMod val="110000"/>
+                <a:lumMod val="100000"/>
+                <a:shade val="100000"/>
+              </a:schemeClr>
+            </a:gs>
+            <a:gs pos="100000">
+              <a:schemeClr val="phClr">
+                <a:lumMod val="99000"/>
+                <a:satMod val="120000"/>
+                <a:shade val="78000"/>
+              </a:schemeClr>
+            </a:gs>
+          </a:gsLst>
+          <a:lin ang="5400000" scaled="0"/>
+        </a:gradFill>
+      </a:fillStyleLst>
+      <a:lnStyleLst>
+        <a:ln w="6350" cap="flat" cmpd="sng" algn="ctr">
+          <a:solidFill>
+            <a:schemeClr val="phClr"/>
+          </a:solidFill>
+          <a:prstDash val="solid"/>
+          <a:miter lim="800000"/>
+        </a:ln>
+        <a:ln w="12700" cap="flat" cmpd="sng" algn="ctr">
+          <a:solidFill>
+            <a:schemeClr val="phClr"/>
+          </a:solidFill>
+          <a:prstDash val="solid"/>
+          <a:miter lim="800000"/>
+        </a:ln>
+        <a:ln w="19050" cap="flat" cmpd="sng" algn="ctr">
+          <a:solidFill>
+            <a:schemeClr val="phClr"/>
+          </a:solidFill>
+          <a:prstDash val="solid"/>
+          <a:miter lim="800000"/>
+        </a:ln>
+      </a:lnStyleLst>
+      <a:effectStyleLst>
+        <a:effectStyle>
+          <a:effectLst/>
+        </a:effectStyle>
+        <a:effectStyle>
+          <a:effectLst/>
+        </a:effectStyle>
+        <a:effectStyle>
+          <a:effectLst>
+            <a:outerShdw blurRad="57150" dist="19050" dir="5400000" algn="ctr" rotWithShape="0">
+              <a:srgbClr val="000000">
+                <a:alpha val="63000"/>
+              </a:srgbClr>
+            </a:outerShdw>
+          </a:effectLst>
+        </a:effectStyle>
+      </a:effectStyleLst>
+      <a:bgFillStyleLst>
+        <a:solidFill>
+          <a:schemeClr val="phClr"/>
+        </a:solidFill>
+        <a:solidFill>
+          <a:schemeClr val="phClr">
+            <a:tint val="95000"/>
+            <a:satMod val="170000"/>
+          </a:schemeClr>
+        </a:solidFill>
+        <a:gradFill rotWithShape="1">
+          <a:gsLst>
+            <a:gs pos="0">
+              <a:schemeClr val="phClr">
+                <a:tint val="93000"/>
+                <a:satMod val="150000"/>
+                <a:shade val="98000"/>
+                <a:lumMod val="102000"/>
+              </a:schemeClr>
+            </a:gs>
+            <a:gs pos="50000">
+              <a:schemeClr val="phClr">
+                <a:tint val="98000"/>
+                <a:satMod val="130000"/>
+                <a:shade val="90000"/>
+                <a:lumMod val="103000"/>
+              </a:schemeClr>
+            </a:gs>
+            <a:gs pos="100000">
+              <a:schemeClr val="phClr">
+                <a:shade val="63000"/>
+                <a:satMod val="120000"/>
+              </a:schemeClr>
+            </a:gs>
+          </a:gsLst>
+          <a:lin ang="5400000" scaled="0"/>
+        </a:gradFill>
+      </a:bgFillStyleLst>
+    </a:fmtScheme>
+  </a:themeElements>
+  <a:objectDefaults/>
+  <a:extraClrSchemeLst/>
+  <a:extLst>
+    <a:ext uri="{05A4C25C-085E-4340-85A3-A5531E510DB2}">
+      <thm15:themeFamily xmlns:thm15="http://schemas.microsoft.com/office/thememl/2012/main" name="Office Theme" id="{62F939B6-93AF-4DB8-9C6B-D6C7DFDC589F}" vid="{4A3C46E8-61CC-4603-A589-7422A47A8E4A}"/>
+    </a:ext>
+  </a:extLst>
+</a:theme>
 </file>
--- a/LaunchEvent/2021FutureInteractionSpacialEvent.pptx
+++ b/LaunchEvent/2021FutureInteractionSpacialEvent.pptx
@@ -13,11 +13,11 @@
     <p:sldId id="258" r:id="rId4"/>
     <p:sldId id="259" r:id="rId5"/>
     <p:sldId id="260" r:id="rId6"/>
-    <p:sldId id="261" r:id="rId7"/>
-    <p:sldId id="262" r:id="rId8"/>
-    <p:sldId id="284" r:id="rId9"/>
-    <p:sldId id="285" r:id="rId10"/>
-    <p:sldId id="286" r:id="rId11"/>
+    <p:sldId id="287" r:id="rId7"/>
+    <p:sldId id="288" r:id="rId8"/>
+    <p:sldId id="289" r:id="rId9"/>
+    <p:sldId id="290" r:id="rId10"/>
+    <p:sldId id="291" r:id="rId11"/>
   </p:sldIdLst>
   <p:sldSz cx="12192000" cy="6858000"/>
   <p:notesSz cx="6858000" cy="9144000"/>
@@ -206,7 +206,7 @@
           <a:p>
             <a:fld id="{76BC54D8-1889-441E-A5C5-0F82ADB443D2}" type="datetimeFigureOut">
               <a:rPr lang="zh-CN" altLang="en-US" smtClean="0"/>
-              <a:t>2021/3/7</a:t>
+              <a:t>2021/3/8</a:t>
             </a:fld>
             <a:endParaRPr lang="zh-CN" altLang="en-US"/>
           </a:p>
@@ -473,122 +473,6 @@
 </p:notesMaster>
 </file>
 
-<file path=ppt/notesSlides/notesSlide1.xml><?xml version="1.0" encoding="utf-8"?>
-<p:notes xmlns:a="http://schemas.openxmlformats.org/drawingml/2006/main" xmlns:r="http://schemas.openxmlformats.org/officeDocument/2006/relationships" xmlns:p="http://schemas.openxmlformats.org/presentationml/2006/main">
-  <p:cSld>
-    <p:spTree>
-      <p:nvGrpSpPr>
-        <p:cNvPr id="1" name=""/>
-        <p:cNvGrpSpPr/>
-        <p:nvPr/>
-      </p:nvGrpSpPr>
-      <p:grpSpPr>
-        <a:xfrm>
-          <a:off x="0" y="0"/>
-          <a:ext cx="0" cy="0"/>
-          <a:chOff x="0" y="0"/>
-          <a:chExt cx="0" cy="0"/>
-        </a:xfrm>
-      </p:grpSpPr>
-      <p:sp>
-        <p:nvSpPr>
-          <p:cNvPr id="2" name="幻灯片图像占位符 1"/>
-          <p:cNvSpPr>
-            <a:spLocks noGrp="1" noRot="1" noChangeAspect="1"/>
-          </p:cNvSpPr>
-          <p:nvPr>
-            <p:ph type="sldImg"/>
-          </p:nvPr>
-        </p:nvSpPr>
-        <p:spPr/>
-      </p:sp>
-      <p:sp>
-        <p:nvSpPr>
-          <p:cNvPr id="3" name="备注占位符 2"/>
-          <p:cNvSpPr>
-            <a:spLocks noGrp="1"/>
-          </p:cNvSpPr>
-          <p:nvPr>
-            <p:ph type="body" idx="1"/>
-          </p:nvPr>
-        </p:nvSpPr>
-        <p:spPr/>
-        <p:txBody>
-          <a:bodyPr/>
-          <a:lstStyle/>
-          <a:p>
-            <a:pPr marL="0" marR="0" lvl="0" indent="0" algn="l" defTabSz="914400" rtl="0" eaLnBrk="1" fontAlgn="auto" latinLnBrk="0" hangingPunct="1">
-              <a:lnSpc>
-                <a:spcPct val="100000"/>
-              </a:lnSpc>
-              <a:spcBef>
-                <a:spcPts val="0"/>
-              </a:spcBef>
-              <a:spcAft>
-                <a:spcPts val="0"/>
-              </a:spcAft>
-              <a:buClrTx/>
-              <a:buSzTx/>
-              <a:buFontTx/>
-              <a:buNone/>
-              <a:tabLst/>
-              <a:defRPr/>
-            </a:pPr>
-            <a:r>
-              <a:rPr lang="zh-CN" altLang="en-US" dirty="0"/>
-              <a:t>什么叫良心企业，这就叫良心企业</a:t>
-            </a:r>
-            <a:r>
-              <a:rPr lang="en-US" altLang="zh-CN" dirty="0"/>
-              <a:t>——</a:t>
-            </a:r>
-            <a:r>
-              <a:rPr lang="zh-CN" altLang="en-US" dirty="0"/>
-              <a:t>清美交互</a:t>
-            </a:r>
-            <a:endParaRPr lang="en-US" altLang="zh-CN" dirty="0"/>
-          </a:p>
-          <a:p>
-            <a:endParaRPr lang="zh-CN" altLang="en-US" dirty="0"/>
-          </a:p>
-        </p:txBody>
-      </p:sp>
-      <p:sp>
-        <p:nvSpPr>
-          <p:cNvPr id="4" name="灯片编号占位符 3"/>
-          <p:cNvSpPr>
-            <a:spLocks noGrp="1"/>
-          </p:cNvSpPr>
-          <p:nvPr>
-            <p:ph type="sldNum" sz="quarter" idx="5"/>
-          </p:nvPr>
-        </p:nvSpPr>
-        <p:spPr/>
-        <p:txBody>
-          <a:bodyPr/>
-          <a:lstStyle/>
-          <a:p>
-            <a:fld id="{493AFD03-A274-4E36-9040-D9554D066177}" type="slidenum">
-              <a:rPr lang="zh-CN" altLang="en-US" smtClean="0"/>
-              <a:t>9</a:t>
-            </a:fld>
-            <a:endParaRPr lang="zh-CN" altLang="en-US"/>
-          </a:p>
-        </p:txBody>
-      </p:sp>
-    </p:spTree>
-    <p:extLst>
-      <p:ext uri="{BB962C8B-B14F-4D97-AF65-F5344CB8AC3E}">
-        <p14:creationId xmlns:p14="http://schemas.microsoft.com/office/powerpoint/2010/main" val="1774131070"/>
-      </p:ext>
-    </p:extLst>
-  </p:cSld>
-  <p:clrMapOvr>
-    <a:masterClrMapping/>
-  </p:clrMapOvr>
-</p:notes>
-</file>
-
 <file path=ppt/slideLayouts/slideLayout1.xml><?xml version="1.0" encoding="utf-8"?>
 <p:sldLayout xmlns:a="http://schemas.openxmlformats.org/drawingml/2006/main" xmlns:r="http://schemas.openxmlformats.org/officeDocument/2006/relationships" xmlns:p="http://schemas.openxmlformats.org/presentationml/2006/main" type="title" preserve="1">
   <p:cSld name="标题幻灯片">
@@ -736,7 +620,7 @@
           <a:p>
             <a:fld id="{3694DE29-63D9-4436-BF1C-A85317439927}" type="datetimeFigureOut">
               <a:rPr lang="zh-CN" altLang="en-US" smtClean="0"/>
-              <a:t>2021/3/7</a:t>
+              <a:t>2021/3/8</a:t>
             </a:fld>
             <a:endParaRPr lang="zh-CN" altLang="en-US"/>
           </a:p>
@@ -934,7 +818,7 @@
           <a:p>
             <a:fld id="{3694DE29-63D9-4436-BF1C-A85317439927}" type="datetimeFigureOut">
               <a:rPr lang="zh-CN" altLang="en-US" smtClean="0"/>
-              <a:t>2021/3/7</a:t>
+              <a:t>2021/3/8</a:t>
             </a:fld>
             <a:endParaRPr lang="zh-CN" altLang="en-US"/>
           </a:p>
@@ -1142,7 +1026,7 @@
           <a:p>
             <a:fld id="{3694DE29-63D9-4436-BF1C-A85317439927}" type="datetimeFigureOut">
               <a:rPr lang="zh-CN" altLang="en-US" smtClean="0"/>
-              <a:t>2021/3/7</a:t>
+              <a:t>2021/3/8</a:t>
             </a:fld>
             <a:endParaRPr lang="zh-CN" altLang="en-US"/>
           </a:p>
@@ -1340,7 +1224,7 @@
           <a:p>
             <a:fld id="{3694DE29-63D9-4436-BF1C-A85317439927}" type="datetimeFigureOut">
               <a:rPr lang="zh-CN" altLang="en-US" smtClean="0"/>
-              <a:t>2021/3/7</a:t>
+              <a:t>2021/3/8</a:t>
             </a:fld>
             <a:endParaRPr lang="zh-CN" altLang="en-US"/>
           </a:p>
@@ -1615,7 +1499,7 @@
           <a:p>
             <a:fld id="{3694DE29-63D9-4436-BF1C-A85317439927}" type="datetimeFigureOut">
               <a:rPr lang="zh-CN" altLang="en-US" smtClean="0"/>
-              <a:t>2021/3/7</a:t>
+              <a:t>2021/3/8</a:t>
             </a:fld>
             <a:endParaRPr lang="zh-CN" altLang="en-US"/>
           </a:p>
@@ -1880,7 +1764,7 @@
           <a:p>
             <a:fld id="{3694DE29-63D9-4436-BF1C-A85317439927}" type="datetimeFigureOut">
               <a:rPr lang="zh-CN" altLang="en-US" smtClean="0"/>
-              <a:t>2021/3/7</a:t>
+              <a:t>2021/3/8</a:t>
             </a:fld>
             <a:endParaRPr lang="zh-CN" altLang="en-US"/>
           </a:p>
@@ -2292,7 +2176,7 @@
           <a:p>
             <a:fld id="{3694DE29-63D9-4436-BF1C-A85317439927}" type="datetimeFigureOut">
               <a:rPr lang="zh-CN" altLang="en-US" smtClean="0"/>
-              <a:t>2021/3/7</a:t>
+              <a:t>2021/3/8</a:t>
             </a:fld>
             <a:endParaRPr lang="zh-CN" altLang="en-US"/>
           </a:p>
@@ -2433,7 +2317,7 @@
           <a:p>
             <a:fld id="{3694DE29-63D9-4436-BF1C-A85317439927}" type="datetimeFigureOut">
               <a:rPr lang="zh-CN" altLang="en-US" smtClean="0"/>
-              <a:t>2021/3/7</a:t>
+              <a:t>2021/3/8</a:t>
             </a:fld>
             <a:endParaRPr lang="zh-CN" altLang="en-US"/>
           </a:p>
@@ -2546,7 +2430,7 @@
           <a:p>
             <a:fld id="{3694DE29-63D9-4436-BF1C-A85317439927}" type="datetimeFigureOut">
               <a:rPr lang="zh-CN" altLang="en-US" smtClean="0"/>
-              <a:t>2021/3/7</a:t>
+              <a:t>2021/3/8</a:t>
             </a:fld>
             <a:endParaRPr lang="zh-CN" altLang="en-US"/>
           </a:p>
@@ -2857,7 +2741,7 @@
           <a:p>
             <a:fld id="{3694DE29-63D9-4436-BF1C-A85317439927}" type="datetimeFigureOut">
               <a:rPr lang="zh-CN" altLang="en-US" smtClean="0"/>
-              <a:t>2021/3/7</a:t>
+              <a:t>2021/3/8</a:t>
             </a:fld>
             <a:endParaRPr lang="zh-CN" altLang="en-US"/>
           </a:p>
@@ -3145,7 +3029,7 @@
           <a:p>
             <a:fld id="{3694DE29-63D9-4436-BF1C-A85317439927}" type="datetimeFigureOut">
               <a:rPr lang="zh-CN" altLang="en-US" smtClean="0"/>
-              <a:t>2021/3/7</a:t>
+              <a:t>2021/3/8</a:t>
             </a:fld>
             <a:endParaRPr lang="zh-CN" altLang="en-US"/>
           </a:p>
@@ -3386,7 +3270,7 @@
           <a:p>
             <a:fld id="{3694DE29-63D9-4436-BF1C-A85317439927}" type="datetimeFigureOut">
               <a:rPr lang="zh-CN" altLang="en-US" smtClean="0"/>
-              <a:t>2021/3/7</a:t>
+              <a:t>2021/3/8</a:t>
             </a:fld>
             <a:endParaRPr lang="zh-CN" altLang="en-US"/>
           </a:p>
@@ -3970,7 +3854,7 @@
           <p:cNvPr id="2" name="标题 1">
             <a:extLst>
               <a:ext uri="{FF2B5EF4-FFF2-40B4-BE49-F238E27FC236}">
-                <a16:creationId xmlns:a16="http://schemas.microsoft.com/office/drawing/2014/main" id="{5157A34A-CAF6-4289-844A-6EDA3AC934A0}"/>
+                <a16:creationId xmlns:a16="http://schemas.microsoft.com/office/drawing/2014/main" id="{CB7F6FA0-A905-47A1-B2D2-35F58A0CD2DC}"/>
               </a:ext>
             </a:extLst>
           </p:cNvPr>
@@ -3988,7 +3872,7 @@
           <a:p>
             <a:r>
               <a:rPr lang="zh-CN" altLang="en-US" dirty="0"/>
-              <a:t>说明</a:t>
+              <a:t>产品视频</a:t>
             </a:r>
           </a:p>
         </p:txBody>
@@ -3998,7 +3882,7 @@
           <p:cNvPr id="3" name="内容占位符 2">
             <a:extLst>
               <a:ext uri="{FF2B5EF4-FFF2-40B4-BE49-F238E27FC236}">
-                <a16:creationId xmlns:a16="http://schemas.microsoft.com/office/drawing/2014/main" id="{713E8D1C-6804-415A-8ABE-C715AFF7467A}"/>
+                <a16:creationId xmlns:a16="http://schemas.microsoft.com/office/drawing/2014/main" id="{05F72E59-3AB0-4CB9-B8A8-F61D1269C53A}"/>
               </a:ext>
             </a:extLst>
           </p:cNvPr>
@@ -4015,50 +3899,52 @@
           <a:lstStyle/>
           <a:p>
             <a:r>
+              <a:rPr lang="en-US" altLang="zh-CN" dirty="0"/>
+              <a:t>DEMO</a:t>
+            </a:r>
+            <a:r>
               <a:rPr lang="zh-CN" altLang="en-US" dirty="0"/>
-              <a:t>真实世界中见过，甚至能验证身份（比如看看学生证），大大增加了安全感，妈妈再也不用担心我被假人骗的团团转啦</a:t>
-            </a:r>
-            <a:r>
-              <a:rPr lang="en-US" altLang="zh-CN" dirty="0"/>
-              <a:t>~</a:t>
-            </a:r>
-          </a:p>
-          <a:p>
+              <a:t>视频</a:t>
+            </a:r>
             <a:endParaRPr lang="en-US" altLang="zh-CN" dirty="0"/>
           </a:p>
           <a:p>
             <a:r>
               <a:rPr lang="zh-CN" altLang="en-US" dirty="0"/>
-              <a:t>路上碰见合适的，就大胆去给</a:t>
-            </a:r>
-            <a:r>
-              <a:rPr lang="en-US" altLang="zh-CN" dirty="0"/>
-              <a:t>TA</a:t>
-            </a:r>
+              <a:t>兴趣小聚，见面，聊两句，碰一碰。</a:t>
+            </a:r>
+            <a:endParaRPr lang="en-US" altLang="zh-CN" dirty="0"/>
+          </a:p>
+          <a:p>
             <a:r>
               <a:rPr lang="zh-CN" altLang="en-US" dirty="0"/>
-              <a:t>你的卡片吧</a:t>
-            </a:r>
-            <a:r>
-              <a:rPr lang="en-US" altLang="zh-CN" dirty="0"/>
-              <a:t>~</a:t>
-            </a:r>
-          </a:p>
-          <a:p>
+              <a:t>浏览，找到兴趣共同点</a:t>
+            </a:r>
             <a:endParaRPr lang="en-US" altLang="zh-CN" dirty="0"/>
           </a:p>
           <a:p>
             <a:r>
               <a:rPr lang="zh-CN" altLang="en-US" dirty="0"/>
-              <a:t>从不同角度寻找共同兴趣和话题，增加做朋友的可能性</a:t>
-            </a:r>
+              <a:t>再次相见，约咖啡</a:t>
+            </a:r>
+            <a:endParaRPr lang="en-US" altLang="zh-CN" dirty="0"/>
+          </a:p>
+          <a:p>
+            <a:endParaRPr lang="en-US" altLang="zh-CN" dirty="0"/>
+          </a:p>
+          <a:p>
+            <a:r>
+              <a:rPr lang="zh-CN" altLang="en-US" dirty="0"/>
+              <a:t>产品宣发三个视频</a:t>
+            </a:r>
+            <a:endParaRPr lang="en-US" altLang="zh-CN" dirty="0"/>
           </a:p>
         </p:txBody>
       </p:sp>
     </p:spTree>
     <p:extLst>
       <p:ext uri="{BB962C8B-B14F-4D97-AF65-F5344CB8AC3E}">
-        <p14:creationId xmlns:p14="http://schemas.microsoft.com/office/powerpoint/2010/main" val="3978546420"/>
+        <p14:creationId xmlns:p14="http://schemas.microsoft.com/office/powerpoint/2010/main" val="2056208734"/>
       </p:ext>
     </p:extLst>
   </p:cSld>
@@ -4426,15 +4312,87 @@
           <a:p>
             <a:r>
               <a:rPr lang="zh-CN" altLang="en-US" dirty="0"/>
-              <a:t>接续自动弹出的提示框</a:t>
+              <a:t>自然交互，接续自动弹出的提示框</a:t>
             </a:r>
             <a:endParaRPr lang="en-US" altLang="zh-CN" dirty="0"/>
           </a:p>
           <a:p>
+            <a:r>
+              <a:rPr lang="zh-CN" altLang="en-US" dirty="0"/>
+              <a:t>好友</a:t>
+            </a:r>
+            <a:r>
+              <a:rPr lang="en-US" altLang="zh-CN" dirty="0"/>
+              <a:t>Follow</a:t>
+            </a:r>
+            <a:r>
+              <a:rPr lang="zh-CN" altLang="en-US" dirty="0"/>
+              <a:t>系统，查看</a:t>
+            </a:r>
+            <a:r>
+              <a:rPr lang="en-US" altLang="zh-CN" dirty="0"/>
+              <a:t>Follower</a:t>
+            </a:r>
+            <a:r>
+              <a:rPr lang="zh-CN" altLang="en-US" dirty="0"/>
+              <a:t>共享给你的</a:t>
+            </a:r>
+            <a:r>
+              <a:rPr lang="en-US" altLang="zh-CN" dirty="0"/>
+              <a:t>TA</a:t>
+            </a:r>
+            <a:r>
+              <a:rPr lang="zh-CN" altLang="en-US" dirty="0"/>
+              <a:t>的信息吧</a:t>
+            </a:r>
+            <a:r>
+              <a:rPr lang="en-US" altLang="zh-CN" dirty="0"/>
+              <a:t>~</a:t>
+            </a:r>
+          </a:p>
+          <a:p>
+            <a:r>
+              <a:rPr lang="zh-CN" altLang="en-US" dirty="0"/>
+              <a:t>内置文字</a:t>
+            </a:r>
+            <a:r>
+              <a:rPr lang="en-US" altLang="zh-CN" dirty="0"/>
+              <a:t>/</a:t>
+            </a:r>
+            <a:r>
+              <a:rPr lang="zh-CN" altLang="en-US" dirty="0"/>
+              <a:t>视频</a:t>
+            </a:r>
+            <a:r>
+              <a:rPr lang="en-US" altLang="zh-CN" dirty="0"/>
+              <a:t>/</a:t>
+            </a:r>
+            <a:r>
+              <a:rPr lang="zh-CN" altLang="en-US" dirty="0"/>
+              <a:t>语音聊天，还有兴趣广场，一起攒事儿</a:t>
+            </a:r>
             <a:endParaRPr lang="en-US" altLang="zh-CN" dirty="0"/>
           </a:p>
           <a:p>
-            <a:endParaRPr lang="zh-CN" altLang="en-US" dirty="0"/>
+            <a:r>
+              <a:rPr lang="zh-CN" altLang="en-US" dirty="0"/>
+              <a:t>自定义主页预设，可当场选择想给</a:t>
+            </a:r>
+            <a:r>
+              <a:rPr lang="en-US" altLang="zh-CN" dirty="0"/>
+              <a:t>TA</a:t>
+            </a:r>
+            <a:r>
+              <a:rPr lang="zh-CN" altLang="en-US" dirty="0"/>
+              <a:t>看的信息，真正做到千人千面</a:t>
+            </a:r>
+            <a:endParaRPr lang="en-US" altLang="zh-CN" dirty="0"/>
+          </a:p>
+          <a:p>
+            <a:r>
+              <a:rPr lang="zh-CN" altLang="en-US" dirty="0"/>
+              <a:t>和不同社交软件联动，在其他软件里面展示自己不同角度的闪光点吧</a:t>
+            </a:r>
           </a:p>
         </p:txBody>
       </p:sp>
@@ -4517,7 +4475,17 @@
           <a:bodyPr/>
           <a:lstStyle/>
           <a:p>
-            <a:endParaRPr lang="zh-CN" altLang="en-US" dirty="0"/>
+            <a:r>
+              <a:rPr lang="zh-CN" altLang="en-US" dirty="0"/>
+              <a:t>组织线下主题兴趣小聚，给有共同兴趣话题的人提供机会</a:t>
+            </a:r>
+            <a:endParaRPr lang="en-US" altLang="zh-CN" dirty="0"/>
+          </a:p>
+          <a:p>
+            <a:r>
+              <a:rPr lang="zh-CN" altLang="en-US" dirty="0"/>
+              <a:t>免费提供服务，无广告</a:t>
+            </a:r>
           </a:p>
         </p:txBody>
       </p:sp>
@@ -4556,7 +4524,7 @@
           <p:cNvPr id="2" name="标题 1">
             <a:extLst>
               <a:ext uri="{FF2B5EF4-FFF2-40B4-BE49-F238E27FC236}">
-                <a16:creationId xmlns:a16="http://schemas.microsoft.com/office/drawing/2014/main" id="{3A982B6A-886D-40C5-AD68-7B623D4CBB0C}"/>
+                <a16:creationId xmlns:a16="http://schemas.microsoft.com/office/drawing/2014/main" id="{3FF121C7-2F2B-49ED-81B0-15011FE5FBF8}"/>
               </a:ext>
             </a:extLst>
           </p:cNvPr>
@@ -4573,30 +4541,26 @@
           <a:lstStyle/>
           <a:p>
             <a:r>
-              <a:rPr lang="en-US" altLang="zh-CN" dirty="0" err="1"/>
-              <a:t>iTag</a:t>
-            </a:r>
-            <a:r>
               <a:rPr lang="zh-CN" altLang="en-US" dirty="0"/>
-              <a:t>的构想</a:t>
-            </a:r>
-          </a:p>
-        </p:txBody>
-      </p:sp>
-      <p:sp>
-        <p:nvSpPr>
-          <p:cNvPr id="3" name="文本占位符 2">
-            <a:extLst>
-              <a:ext uri="{FF2B5EF4-FFF2-40B4-BE49-F238E27FC236}">
-                <a16:creationId xmlns:a16="http://schemas.microsoft.com/office/drawing/2014/main" id="{8BFBEFE0-40D6-4139-81B0-CDBF2782385E}"/>
-              </a:ext>
-            </a:extLst>
-          </p:cNvPr>
-          <p:cNvSpPr>
-            <a:spLocks noGrp="1"/>
-          </p:cNvSpPr>
-          <p:nvPr>
-            <p:ph type="body" idx="1"/>
+              <a:t>问题提出</a:t>
+            </a:r>
+          </a:p>
+        </p:txBody>
+      </p:sp>
+      <p:sp>
+        <p:nvSpPr>
+          <p:cNvPr id="3" name="内容占位符 2">
+            <a:extLst>
+              <a:ext uri="{FF2B5EF4-FFF2-40B4-BE49-F238E27FC236}">
+                <a16:creationId xmlns:a16="http://schemas.microsoft.com/office/drawing/2014/main" id="{E586B560-5EB3-425A-8D95-AC7E9D9A5010}"/>
+              </a:ext>
+            </a:extLst>
+          </p:cNvPr>
+          <p:cNvSpPr>
+            <a:spLocks noGrp="1"/>
+          </p:cNvSpPr>
+          <p:nvPr>
+            <p:ph idx="1"/>
           </p:nvPr>
         </p:nvSpPr>
         <p:spPr/>
@@ -4606,17 +4570,29 @@
           <a:p>
             <a:r>
               <a:rPr lang="zh-CN" altLang="en-US" dirty="0"/>
-              <a:t>此章节纯属虚构，具体请以实物为准</a:t>
+              <a:t>友商们已经做了很多陌生人社交软件，但是探探下架了，陌陌搞直播了，主打灵魂交友的</a:t>
+            </a:r>
+            <a:r>
+              <a:rPr lang="en-US" altLang="zh-CN" dirty="0"/>
+              <a:t>Soul</a:t>
+            </a:r>
+            <a:r>
+              <a:rPr lang="zh-CN" altLang="en-US" dirty="0"/>
+              <a:t>变味了，连微信附近的人也差不多凉了。</a:t>
             </a:r>
             <a:endParaRPr lang="en-US" altLang="zh-CN" dirty="0"/>
           </a:p>
           <a:p>
+            <a:r>
+              <a:rPr lang="zh-CN" altLang="en-US" dirty="0"/>
+              <a:t>想要交到好朋友、拓展自己社交圈子、想之后认真谈恋爱的用户，其实并不会去使用这些被打上约炮标签的地理位置服务交友软件，这些软件不具有可持续性，用户粘性和商业潜力都有限</a:t>
+            </a:r>
             <a:endParaRPr lang="en-US" altLang="zh-CN" dirty="0"/>
           </a:p>
           <a:p>
             <a:r>
               <a:rPr lang="zh-CN" altLang="en-US" dirty="0"/>
-              <a:t>如有雷同，他抄我的</a:t>
+              <a:t>另一边，婚恋网站充斥着婚托和骗子，平台服务费也动辄上万。世纪佳缘、百合网上丑闻频出，甚至有程序员被骗婚自杀。</a:t>
             </a:r>
           </a:p>
         </p:txBody>
@@ -4624,7 +4600,7 @@
     </p:spTree>
     <p:extLst>
       <p:ext uri="{BB962C8B-B14F-4D97-AF65-F5344CB8AC3E}">
-        <p14:creationId xmlns:p14="http://schemas.microsoft.com/office/powerpoint/2010/main" val="2034422820"/>
+        <p14:creationId xmlns:p14="http://schemas.microsoft.com/office/powerpoint/2010/main" val="1561567109"/>
       </p:ext>
     </p:extLst>
   </p:cSld>
@@ -4656,7 +4632,7 @@
           <p:cNvPr id="2" name="标题 1">
             <a:extLst>
               <a:ext uri="{FF2B5EF4-FFF2-40B4-BE49-F238E27FC236}">
-                <a16:creationId xmlns:a16="http://schemas.microsoft.com/office/drawing/2014/main" id="{0FF4B766-D8B3-4867-BDCA-07B5ADFB17DF}"/>
+                <a16:creationId xmlns:a16="http://schemas.microsoft.com/office/drawing/2014/main" id="{D861FFB1-CF89-4255-8592-DB811D120D66}"/>
               </a:ext>
             </a:extLst>
           </p:cNvPr>
@@ -4674,7 +4650,7 @@
           <a:p>
             <a:r>
               <a:rPr lang="zh-CN" altLang="en-US" dirty="0"/>
-              <a:t>痛点</a:t>
+              <a:t>社交流程</a:t>
             </a:r>
           </a:p>
         </p:txBody>
@@ -4684,7 +4660,7 @@
           <p:cNvPr id="3" name="内容占位符 2">
             <a:extLst>
               <a:ext uri="{FF2B5EF4-FFF2-40B4-BE49-F238E27FC236}">
-                <a16:creationId xmlns:a16="http://schemas.microsoft.com/office/drawing/2014/main" id="{F7DB920F-A4A2-4DFB-9311-93CCFBB4E33E}"/>
+                <a16:creationId xmlns:a16="http://schemas.microsoft.com/office/drawing/2014/main" id="{6FE6F2C6-0D79-443E-9B8C-9DBD1147991C}"/>
               </a:ext>
             </a:extLst>
           </p:cNvPr>
@@ -4697,72 +4673,41 @@
         </p:nvSpPr>
         <p:spPr/>
         <p:txBody>
-          <a:bodyPr>
-            <a:normAutofit fontScale="92500" lnSpcReduction="10000"/>
-          </a:bodyPr>
+          <a:bodyPr/>
           <a:lstStyle/>
           <a:p>
             <a:r>
               <a:rPr lang="zh-CN" altLang="en-US" dirty="0"/>
-              <a:t>信息安全问题：</a:t>
+              <a:t>相比于约炮应用，我们提供相识机会，但更注重引导关系的发展。</a:t>
+            </a:r>
+            <a:endParaRPr lang="en-US" altLang="zh-CN" dirty="0"/>
+          </a:p>
+          <a:p>
+            <a:r>
+              <a:rPr lang="zh-CN" altLang="en-US" dirty="0"/>
+              <a:t>相识：线下见面认识，真实的你们给双方增加信任，生活在你身边的人，为以后的关系发展提供更多的机会</a:t>
+            </a:r>
+            <a:endParaRPr lang="en-US" altLang="zh-CN" dirty="0"/>
+          </a:p>
+          <a:p>
+            <a:r>
+              <a:rPr lang="zh-CN" altLang="en-US" dirty="0"/>
+              <a:t>了解：除了两人见面聊天，平台联动的其他社交帐号也给你提供了多面展示自己和寻求共同话题的机会。比如咱俩都是</a:t>
             </a:r>
             <a:r>
               <a:rPr lang="en-US" altLang="zh-CN" dirty="0"/>
-              <a:t>LBS</a:t>
+              <a:t>UP</a:t>
             </a:r>
             <a:r>
               <a:rPr lang="zh-CN" altLang="en-US" dirty="0"/>
-              <a:t>应用普遍存在的问题，海量个人信息（特别是位置信息）泄露的可能性</a:t>
-            </a:r>
+              <a:t>主。</a:t>
+            </a:r>
+            <a:endParaRPr lang="en-US" altLang="zh-CN" dirty="0"/>
           </a:p>
           <a:p>
             <a:r>
               <a:rPr lang="zh-CN" altLang="en-US" dirty="0"/>
-              <a:t>用户人身安全问题</a:t>
-            </a:r>
-          </a:p>
-          <a:p>
-            <a:r>
-              <a:rPr lang="zh-CN" altLang="en-US" dirty="0"/>
-              <a:t>荷尔蒙导向应用的不可持续性和用户留存率低</a:t>
-            </a:r>
-          </a:p>
-          <a:p>
-            <a:r>
-              <a:rPr lang="zh-CN" altLang="en-US" dirty="0"/>
-              <a:t>很多人不愿意不希望自己的真实照片被公开，被挑选。</a:t>
-            </a:r>
-          </a:p>
-          <a:p>
-            <a:r>
-              <a:rPr lang="zh-CN" altLang="en-US" dirty="0"/>
-              <a:t>关键词审核过于严格，实名信息审查过于敷衍了事</a:t>
-            </a:r>
-          </a:p>
-          <a:p>
-            <a:r>
-              <a:rPr lang="zh-CN" altLang="en-US" dirty="0"/>
-              <a:t>大量虚假用户和骗子，平台鱼龙混杂</a:t>
-            </a:r>
-          </a:p>
-          <a:p>
-            <a:r>
-              <a:rPr lang="zh-CN" altLang="en-US" dirty="0"/>
-              <a:t>平台收费过高，线下分店通过和代理商和托儿一起蒙骗客户盈利</a:t>
-            </a:r>
-          </a:p>
-          <a:p>
-            <a:r>
-              <a:rPr lang="zh-CN" altLang="en-US" dirty="0"/>
-              <a:t>流量中心化：少数用户获得多数资源</a:t>
-            </a:r>
-            <a:r>
-              <a:rPr lang="en-US" altLang="zh-CN" dirty="0"/>
-              <a:t>——</a:t>
-            </a:r>
-            <a:r>
-              <a:rPr lang="zh-CN" altLang="en-US" dirty="0"/>
-              <a:t>社交资本太单一，基本就只以颜值为主</a:t>
+              <a:t>发展：兴趣小组聚会，进一步提供见面的机会</a:t>
             </a:r>
           </a:p>
         </p:txBody>
@@ -4770,7 +4715,7 @@
     </p:spTree>
     <p:extLst>
       <p:ext uri="{BB962C8B-B14F-4D97-AF65-F5344CB8AC3E}">
-        <p14:creationId xmlns:p14="http://schemas.microsoft.com/office/powerpoint/2010/main" val="3563197802"/>
+        <p14:creationId xmlns:p14="http://schemas.microsoft.com/office/powerpoint/2010/main" val="1844302494"/>
       </p:ext>
     </p:extLst>
   </p:cSld>
@@ -4802,7 +4747,7 @@
           <p:cNvPr id="2" name="标题 1">
             <a:extLst>
               <a:ext uri="{FF2B5EF4-FFF2-40B4-BE49-F238E27FC236}">
-                <a16:creationId xmlns:a16="http://schemas.microsoft.com/office/drawing/2014/main" id="{69C3587A-3FBF-4951-A6CB-96D09049DA96}"/>
+                <a16:creationId xmlns:a16="http://schemas.microsoft.com/office/drawing/2014/main" id="{0479E07C-8789-4E96-98B5-240A55841FF4}"/>
               </a:ext>
             </a:extLst>
           </p:cNvPr>
@@ -4820,7 +4765,7 @@
           <a:p>
             <a:r>
               <a:rPr lang="zh-CN" altLang="en-US" dirty="0"/>
-              <a:t>提出</a:t>
+              <a:t>信息安全和心理负担</a:t>
             </a:r>
           </a:p>
         </p:txBody>
@@ -4830,7 +4775,7 @@
           <p:cNvPr id="3" name="内容占位符 2">
             <a:extLst>
               <a:ext uri="{FF2B5EF4-FFF2-40B4-BE49-F238E27FC236}">
-                <a16:creationId xmlns:a16="http://schemas.microsoft.com/office/drawing/2014/main" id="{22EB1E57-B13B-4100-A60D-202E0512B0AE}"/>
+                <a16:creationId xmlns:a16="http://schemas.microsoft.com/office/drawing/2014/main" id="{EEFD6DB6-406B-416A-81DC-450C5FA542AB}"/>
               </a:ext>
             </a:extLst>
           </p:cNvPr>
@@ -4845,6 +4790,20 @@
         <p:txBody>
           <a:bodyPr/>
           <a:lstStyle/>
+          <a:p>
+            <a:r>
+              <a:rPr lang="en-US" altLang="zh-CN" dirty="0"/>
+              <a:t>LBS</a:t>
+            </a:r>
+            <a:r>
+              <a:rPr lang="zh-CN" altLang="en-US" dirty="0"/>
+              <a:t>应用普遍存在的问题，海量个人信息（特别是位置信息）泄露的可能性</a:t>
+            </a:r>
+            <a:endParaRPr lang="en-US" altLang="zh-CN" dirty="0"/>
+          </a:p>
+          <a:p>
+            <a:endParaRPr lang="en-US" altLang="zh-CN" dirty="0"/>
+          </a:p>
           <a:p>
             <a:r>
               <a:rPr lang="zh-CN" altLang="en-US" dirty="0"/>
@@ -4855,50 +4814,31 @@
           <a:p>
             <a:r>
               <a:rPr lang="zh-CN" altLang="en-US" dirty="0"/>
-              <a:t>用户不必向公网公布个人信息，也不必给平台提供任何信息</a:t>
+              <a:t>用户不必向公网公布个人信息，如照片，也不必给平台提供任何信息</a:t>
             </a:r>
             <a:endParaRPr lang="en-US" altLang="zh-CN" dirty="0"/>
           </a:p>
           <a:p>
             <a:r>
               <a:rPr lang="zh-CN" altLang="en-US" dirty="0"/>
-              <a:t>提倡长期关系，而非荷尔蒙驱动关系</a:t>
+              <a:t>卡片加密，每张卡都有</a:t>
+            </a:r>
+            <a:r>
+              <a:rPr lang="en-US" altLang="zh-CN" dirty="0"/>
+              <a:t>UID</a:t>
+            </a:r>
+            <a:r>
+              <a:rPr lang="zh-CN" altLang="en-US" dirty="0"/>
+              <a:t>，丢卡可随时锁定卡片</a:t>
             </a:r>
             <a:endParaRPr lang="en-US" altLang="zh-CN" dirty="0"/>
-          </a:p>
-          <a:p>
-            <a:r>
-              <a:rPr lang="zh-CN" altLang="en-US" dirty="0"/>
-              <a:t>多元的社交资本，避免流量中心化</a:t>
-            </a:r>
-            <a:endParaRPr lang="en-US" altLang="zh-CN" dirty="0"/>
-          </a:p>
-          <a:p>
-            <a:r>
-              <a:rPr lang="zh-CN" altLang="en-US" dirty="0"/>
-              <a:t>安全的兴趣广场</a:t>
-            </a:r>
-            <a:endParaRPr lang="en-US" altLang="zh-CN" dirty="0"/>
-          </a:p>
-          <a:p>
-            <a:r>
-              <a:rPr lang="zh-CN" altLang="en-US" dirty="0"/>
-              <a:t>可持续发展，高的用户留存度</a:t>
-            </a:r>
-            <a:endParaRPr lang="en-US" altLang="zh-CN" dirty="0"/>
-          </a:p>
-          <a:p>
-            <a:r>
-              <a:rPr lang="zh-CN" altLang="en-US" dirty="0"/>
-              <a:t>全免费平台，无广告环境</a:t>
-            </a:r>
           </a:p>
         </p:txBody>
       </p:sp>
     </p:spTree>
     <p:extLst>
       <p:ext uri="{BB962C8B-B14F-4D97-AF65-F5344CB8AC3E}">
-        <p14:creationId xmlns:p14="http://schemas.microsoft.com/office/powerpoint/2010/main" val="2016143218"/>
+        <p14:creationId xmlns:p14="http://schemas.microsoft.com/office/powerpoint/2010/main" val="3121961357"/>
       </p:ext>
     </p:extLst>
   </p:cSld>
@@ -4930,7 +4870,7 @@
           <p:cNvPr id="2" name="标题 1">
             <a:extLst>
               <a:ext uri="{FF2B5EF4-FFF2-40B4-BE49-F238E27FC236}">
-                <a16:creationId xmlns:a16="http://schemas.microsoft.com/office/drawing/2014/main" id="{B0567BB8-375A-4A99-8063-73D9C586EB03}"/>
+                <a16:creationId xmlns:a16="http://schemas.microsoft.com/office/drawing/2014/main" id="{CAA07E35-4CAD-4D61-B6E1-6267A37B4418}"/>
               </a:ext>
             </a:extLst>
           </p:cNvPr>
@@ -4947,129 +4887,45 @@
           <a:lstStyle/>
           <a:p>
             <a:r>
+              <a:rPr lang="en-US" altLang="zh-CN" dirty="0"/>
+              <a:t>Slogan</a:t>
+            </a:r>
+            <a:endParaRPr lang="zh-CN" altLang="en-US" dirty="0"/>
+          </a:p>
+        </p:txBody>
+      </p:sp>
+      <p:sp>
+        <p:nvSpPr>
+          <p:cNvPr id="3" name="内容占位符 2">
+            <a:extLst>
+              <a:ext uri="{FF2B5EF4-FFF2-40B4-BE49-F238E27FC236}">
+                <a16:creationId xmlns:a16="http://schemas.microsoft.com/office/drawing/2014/main" id="{5473A968-B496-4B8B-B062-F77C8BEBA77F}"/>
+              </a:ext>
+            </a:extLst>
+          </p:cNvPr>
+          <p:cNvSpPr>
+            <a:spLocks noGrp="1"/>
+          </p:cNvSpPr>
+          <p:nvPr>
+            <p:ph idx="1"/>
+          </p:nvPr>
+        </p:nvSpPr>
+        <p:spPr/>
+        <p:txBody>
+          <a:bodyPr/>
+          <a:lstStyle/>
+          <a:p>
+            <a:r>
+              <a:rPr lang="en-US" altLang="zh-CN" dirty="0" err="1"/>
+              <a:t>iTag</a:t>
+            </a:r>
+            <a:r>
+              <a:rPr lang="en-US" altLang="zh-CN" dirty="0"/>
+              <a:t>-</a:t>
+            </a:r>
+            <a:r>
               <a:rPr lang="zh-CN" altLang="en-US" dirty="0"/>
-              <a:t>解决</a:t>
-            </a:r>
-          </a:p>
-        </p:txBody>
-      </p:sp>
-      <p:sp>
-        <p:nvSpPr>
-          <p:cNvPr id="3" name="内容占位符 2">
-            <a:extLst>
-              <a:ext uri="{FF2B5EF4-FFF2-40B4-BE49-F238E27FC236}">
-                <a16:creationId xmlns:a16="http://schemas.microsoft.com/office/drawing/2014/main" id="{075494FB-26E8-473C-BD38-BFD171E84C37}"/>
-              </a:ext>
-            </a:extLst>
-          </p:cNvPr>
-          <p:cNvSpPr>
-            <a:spLocks noGrp="1"/>
-          </p:cNvSpPr>
-          <p:nvPr>
-            <p:ph idx="1"/>
-          </p:nvPr>
-        </p:nvSpPr>
-        <p:spPr/>
-        <p:txBody>
-          <a:bodyPr>
-            <a:normAutofit fontScale="92500"/>
-          </a:bodyPr>
-          <a:lstStyle/>
-          <a:p>
-            <a:r>
-              <a:rPr lang="zh-CN" altLang="en-US" dirty="0"/>
-              <a:t>一款从线下开始的陌生人社交应用：</a:t>
-            </a:r>
-            <a:endParaRPr lang="en-US" altLang="zh-CN" dirty="0"/>
-          </a:p>
-          <a:p>
-            <a:endParaRPr lang="en-US" altLang="zh-CN" dirty="0"/>
-          </a:p>
-          <a:p>
-            <a:r>
-              <a:rPr lang="en-US" altLang="zh-CN" dirty="0"/>
-              <a:t>NFC</a:t>
-            </a:r>
-            <a:r>
-              <a:rPr lang="zh-CN" altLang="en-US" dirty="0"/>
-              <a:t>卡片加持，只有刷卡才能加好友哦</a:t>
-            </a:r>
-            <a:endParaRPr lang="en-US" altLang="zh-CN" dirty="0"/>
-          </a:p>
-          <a:p>
-            <a:r>
-              <a:rPr lang="zh-CN" altLang="en-US" dirty="0"/>
-              <a:t>自定义主页预设，可当场选择想给</a:t>
-            </a:r>
-            <a:r>
-              <a:rPr lang="en-US" altLang="zh-CN" dirty="0"/>
-              <a:t>TA</a:t>
-            </a:r>
-            <a:r>
-              <a:rPr lang="zh-CN" altLang="en-US" dirty="0"/>
-              <a:t>看的信息，真正做到千人千面</a:t>
-            </a:r>
-            <a:endParaRPr lang="en-US" altLang="zh-CN" dirty="0"/>
-          </a:p>
-          <a:p>
-            <a:r>
-              <a:rPr lang="zh-CN" altLang="en-US" dirty="0"/>
-              <a:t>和不同社交软件联动，在其他软件里面展示自己不同角度的闪光点吧</a:t>
-            </a:r>
-            <a:endParaRPr lang="en-US" altLang="zh-CN" dirty="0"/>
-          </a:p>
-          <a:p>
-            <a:r>
-              <a:rPr lang="zh-CN" altLang="en-US" dirty="0"/>
-              <a:t>组织线下主题兴趣小聚，给有共同兴趣话题的人提供机会</a:t>
-            </a:r>
-            <a:endParaRPr lang="en-US" altLang="zh-CN" dirty="0"/>
-          </a:p>
-          <a:p>
-            <a:r>
-              <a:rPr lang="zh-CN" altLang="en-US" dirty="0"/>
-              <a:t>定制联名款卡片，你就是人群中最亮的崽</a:t>
-            </a:r>
-            <a:endParaRPr lang="en-US" altLang="zh-CN" dirty="0"/>
-          </a:p>
-          <a:p>
-            <a:r>
-              <a:rPr lang="zh-CN" altLang="en-US" dirty="0"/>
-              <a:t>好友</a:t>
-            </a:r>
-            <a:r>
-              <a:rPr lang="en-US" altLang="zh-CN" dirty="0"/>
-              <a:t>Follow</a:t>
-            </a:r>
-            <a:r>
-              <a:rPr lang="zh-CN" altLang="en-US" dirty="0"/>
-              <a:t>系统，查看</a:t>
-            </a:r>
-            <a:r>
-              <a:rPr lang="en-US" altLang="zh-CN" dirty="0"/>
-              <a:t>Follower</a:t>
-            </a:r>
-            <a:r>
-              <a:rPr lang="zh-CN" altLang="en-US" dirty="0"/>
-              <a:t>共享给你的</a:t>
-            </a:r>
-            <a:r>
-              <a:rPr lang="en-US" altLang="zh-CN" dirty="0"/>
-              <a:t>TA</a:t>
-            </a:r>
-            <a:r>
-              <a:rPr lang="zh-CN" altLang="en-US" dirty="0"/>
-              <a:t>的信息吧</a:t>
-            </a:r>
-            <a:r>
-              <a:rPr lang="en-US" altLang="zh-CN" dirty="0"/>
-              <a:t>~</a:t>
-            </a:r>
-          </a:p>
-          <a:p>
-            <a:r>
-              <a:rPr lang="zh-CN" altLang="en-US" dirty="0"/>
-              <a:t>免费提供服务，无广告</a:t>
+              <a:t>从见面开始的微微熟社交生态</a:t>
             </a:r>
           </a:p>
         </p:txBody>
@@ -5077,7 +4933,7 @@
     </p:spTree>
     <p:extLst>
       <p:ext uri="{BB962C8B-B14F-4D97-AF65-F5344CB8AC3E}">
-        <p14:creationId xmlns:p14="http://schemas.microsoft.com/office/powerpoint/2010/main" val="29179760"/>
+        <p14:creationId xmlns:p14="http://schemas.microsoft.com/office/powerpoint/2010/main" val="43472834"/>
       </p:ext>
     </p:extLst>
   </p:cSld>

--- a/LaunchEvent/2021FutureInteractionSpacialEvent.pptx
+++ b/LaunchEvent/2021FutureInteractionSpacialEvent.pptx
@@ -206,7 +206,7 @@
           <a:p>
             <a:fld id="{76BC54D8-1889-441E-A5C5-0F82ADB443D2}" type="datetimeFigureOut">
               <a:rPr lang="zh-CN" altLang="en-US" smtClean="0"/>
-              <a:t>2021/3/8</a:t>
+              <a:t>2021/3/11</a:t>
             </a:fld>
             <a:endParaRPr lang="zh-CN" altLang="en-US"/>
           </a:p>
@@ -620,7 +620,7 @@
           <a:p>
             <a:fld id="{3694DE29-63D9-4436-BF1C-A85317439927}" type="datetimeFigureOut">
               <a:rPr lang="zh-CN" altLang="en-US" smtClean="0"/>
-              <a:t>2021/3/8</a:t>
+              <a:t>2021/3/11</a:t>
             </a:fld>
             <a:endParaRPr lang="zh-CN" altLang="en-US"/>
           </a:p>
@@ -818,7 +818,7 @@
           <a:p>
             <a:fld id="{3694DE29-63D9-4436-BF1C-A85317439927}" type="datetimeFigureOut">
               <a:rPr lang="zh-CN" altLang="en-US" smtClean="0"/>
-              <a:t>2021/3/8</a:t>
+              <a:t>2021/3/11</a:t>
             </a:fld>
             <a:endParaRPr lang="zh-CN" altLang="en-US"/>
           </a:p>
@@ -1026,7 +1026,7 @@
           <a:p>
             <a:fld id="{3694DE29-63D9-4436-BF1C-A85317439927}" type="datetimeFigureOut">
               <a:rPr lang="zh-CN" altLang="en-US" smtClean="0"/>
-              <a:t>2021/3/8</a:t>
+              <a:t>2021/3/11</a:t>
             </a:fld>
             <a:endParaRPr lang="zh-CN" altLang="en-US"/>
           </a:p>
@@ -1224,7 +1224,7 @@
           <a:p>
             <a:fld id="{3694DE29-63D9-4436-BF1C-A85317439927}" type="datetimeFigureOut">
               <a:rPr lang="zh-CN" altLang="en-US" smtClean="0"/>
-              <a:t>2021/3/8</a:t>
+              <a:t>2021/3/11</a:t>
             </a:fld>
             <a:endParaRPr lang="zh-CN" altLang="en-US"/>
           </a:p>
@@ -1499,7 +1499,7 @@
           <a:p>
             <a:fld id="{3694DE29-63D9-4436-BF1C-A85317439927}" type="datetimeFigureOut">
               <a:rPr lang="zh-CN" altLang="en-US" smtClean="0"/>
-              <a:t>2021/3/8</a:t>
+              <a:t>2021/3/11</a:t>
             </a:fld>
             <a:endParaRPr lang="zh-CN" altLang="en-US"/>
           </a:p>
@@ -1764,7 +1764,7 @@
           <a:p>
             <a:fld id="{3694DE29-63D9-4436-BF1C-A85317439927}" type="datetimeFigureOut">
               <a:rPr lang="zh-CN" altLang="en-US" smtClean="0"/>
-              <a:t>2021/3/8</a:t>
+              <a:t>2021/3/11</a:t>
             </a:fld>
             <a:endParaRPr lang="zh-CN" altLang="en-US"/>
           </a:p>
@@ -2176,7 +2176,7 @@
           <a:p>
             <a:fld id="{3694DE29-63D9-4436-BF1C-A85317439927}" type="datetimeFigureOut">
               <a:rPr lang="zh-CN" altLang="en-US" smtClean="0"/>
-              <a:t>2021/3/8</a:t>
+              <a:t>2021/3/11</a:t>
             </a:fld>
             <a:endParaRPr lang="zh-CN" altLang="en-US"/>
           </a:p>
@@ -2317,7 +2317,7 @@
           <a:p>
             <a:fld id="{3694DE29-63D9-4436-BF1C-A85317439927}" type="datetimeFigureOut">
               <a:rPr lang="zh-CN" altLang="en-US" smtClean="0"/>
-              <a:t>2021/3/8</a:t>
+              <a:t>2021/3/11</a:t>
             </a:fld>
             <a:endParaRPr lang="zh-CN" altLang="en-US"/>
           </a:p>
@@ -2430,7 +2430,7 @@
           <a:p>
             <a:fld id="{3694DE29-63D9-4436-BF1C-A85317439927}" type="datetimeFigureOut">
               <a:rPr lang="zh-CN" altLang="en-US" smtClean="0"/>
-              <a:t>2021/3/8</a:t>
+              <a:t>2021/3/11</a:t>
             </a:fld>
             <a:endParaRPr lang="zh-CN" altLang="en-US"/>
           </a:p>
@@ -2741,7 +2741,7 @@
           <a:p>
             <a:fld id="{3694DE29-63D9-4436-BF1C-A85317439927}" type="datetimeFigureOut">
               <a:rPr lang="zh-CN" altLang="en-US" smtClean="0"/>
-              <a:t>2021/3/8</a:t>
+              <a:t>2021/3/11</a:t>
             </a:fld>
             <a:endParaRPr lang="zh-CN" altLang="en-US"/>
           </a:p>
@@ -3029,7 +3029,7 @@
           <a:p>
             <a:fld id="{3694DE29-63D9-4436-BF1C-A85317439927}" type="datetimeFigureOut">
               <a:rPr lang="zh-CN" altLang="en-US" smtClean="0"/>
-              <a:t>2021/3/8</a:t>
+              <a:t>2021/3/11</a:t>
             </a:fld>
             <a:endParaRPr lang="zh-CN" altLang="en-US"/>
           </a:p>
@@ -3270,7 +3270,7 @@
           <a:p>
             <a:fld id="{3694DE29-63D9-4436-BF1C-A85317439927}" type="datetimeFigureOut">
               <a:rPr lang="zh-CN" altLang="en-US" smtClean="0"/>
-              <a:t>2021/3/8</a:t>
+              <a:t>2021/3/11</a:t>
             </a:fld>
             <a:endParaRPr lang="zh-CN" altLang="en-US"/>
           </a:p>
@@ -3817,6 +3817,53 @@
           <a:prstGeom prst="rect">
             <a:avLst/>
           </a:prstGeom>
+        </p:spPr>
+      </p:pic>
+      <p:pic>
+        <p:nvPicPr>
+          <p:cNvPr id="3" name="Picture 2" descr="π - Wiktionary">
+            <a:extLst>
+              <a:ext uri="{FF2B5EF4-FFF2-40B4-BE49-F238E27FC236}">
+                <a16:creationId xmlns:a16="http://schemas.microsoft.com/office/drawing/2014/main" id="{D8037334-66CE-47EC-9E44-E80AF4179A78}"/>
+              </a:ext>
+            </a:extLst>
+          </p:cNvPr>
+          <p:cNvPicPr>
+            <a:picLocks noChangeAspect="1" noChangeArrowheads="1"/>
+          </p:cNvPicPr>
+          <p:nvPr/>
+        </p:nvPicPr>
+        <p:blipFill>
+          <a:blip r:embed="rId4">
+            <a:extLst>
+              <a:ext uri="{28A0092B-C50C-407E-A947-70E740481C1C}">
+                <a14:useLocalDpi xmlns:a14="http://schemas.microsoft.com/office/drawing/2010/main" val="0"/>
+              </a:ext>
+            </a:extLst>
+          </a:blip>
+          <a:srcRect/>
+          <a:stretch>
+            <a:fillRect/>
+          </a:stretch>
+        </p:blipFill>
+        <p:spPr bwMode="auto">
+          <a:xfrm>
+            <a:off x="11097720" y="-180857"/>
+            <a:ext cx="1249329" cy="1249329"/>
+          </a:xfrm>
+          <a:prstGeom prst="rect">
+            <a:avLst/>
+          </a:prstGeom>
+          <a:noFill/>
+          <a:extLst>
+            <a:ext uri="{909E8E84-426E-40DD-AFC4-6F175D3DCCD1}">
+              <a14:hiddenFill xmlns:a14="http://schemas.microsoft.com/office/drawing/2010/main">
+                <a:solidFill>
+                  <a:srgbClr val="FFFFFF"/>
+                </a:solidFill>
+              </a14:hiddenFill>
+            </a:ext>
+          </a:extLst>
         </p:spPr>
       </p:pic>
     </p:spTree>
